--- a/lezioni/PASW03b - C++ puntatori.pptx
+++ b/lezioni/PASW03b - C++ puntatori.pptx
@@ -250,7 +250,7 @@
           <a:p>
             <a:fld id="{537EE30C-6FCC-4D68-889C-61DBBB4BBB87}" type="datetimeFigureOut">
               <a:rPr lang="it-IT" smtClean="0"/>
-              <a:t>22/02/2018</a:t>
+              <a:t>06/03/2018</a:t>
             </a:fld>
             <a:endParaRPr lang="it-IT"/>
           </a:p>
@@ -7114,64 +7114,64 @@
           <a:lstStyle/>
           <a:p>
             <a:r>
-              <a:rPr lang="it-IT" dirty="0"/>
+              <a:rPr lang="it-IT" sz="2000" dirty="0"/>
               <a:t>una variabile viene memorizzata a partire da un certo indirizzo di memoria e occupa un certo numero di byte in memoria</a:t>
             </a:r>
           </a:p>
           <a:p>
             <a:r>
-              <a:rPr lang="it-IT" dirty="0"/>
+              <a:rPr lang="it-IT" sz="2000" dirty="0"/>
               <a:t>i puntatori contengono indirizzi di memoria</a:t>
             </a:r>
           </a:p>
           <a:p>
             <a:pPr lvl="1"/>
             <a:r>
-              <a:rPr lang="it-IT" dirty="0"/>
+              <a:rPr lang="it-IT" sz="1800" dirty="0"/>
               <a:t>mentre una variabile contiene direttamente un valore</a:t>
             </a:r>
           </a:p>
           <a:p>
             <a:pPr lvl="1"/>
             <a:r>
-              <a:rPr lang="it-IT" dirty="0"/>
+              <a:rPr lang="it-IT" sz="1800" dirty="0"/>
               <a:t>un puntatore lo contiene indirettamente: </a:t>
             </a:r>
             <a:r>
-              <a:rPr lang="it-IT" b="1" dirty="0" err="1"/>
+              <a:rPr lang="it-IT" sz="1800" b="1" dirty="0" err="1"/>
               <a:t>indirection</a:t>
             </a:r>
-            <a:endParaRPr lang="it-IT" b="1" dirty="0"/>
-          </a:p>
-          <a:p>
-            <a:r>
-              <a:rPr lang="it-IT" dirty="0"/>
+            <a:endParaRPr lang="it-IT" sz="1800" b="1" dirty="0"/>
+          </a:p>
+          <a:p>
+            <a:r>
+              <a:rPr lang="it-IT" sz="2000" dirty="0"/>
               <a:t>se </a:t>
             </a:r>
             <a:r>
-              <a:rPr lang="it-IT" b="1" i="1" dirty="0">
+              <a:rPr lang="it-IT" sz="2000" b="1" i="1" dirty="0">
                 <a:latin typeface="Courier New" panose="02070309020205020404" pitchFamily="49" charset="0"/>
                 <a:cs typeface="Courier New" panose="02070309020205020404" pitchFamily="49" charset="0"/>
               </a:rPr>
               <a:t>v</a:t>
             </a:r>
             <a:r>
-              <a:rPr lang="it-IT" dirty="0"/>
+              <a:rPr lang="it-IT" sz="2000" dirty="0"/>
               <a:t> è una variabile, </a:t>
             </a:r>
             <a:r>
-              <a:rPr lang="it-IT" b="1" i="1" dirty="0">
+              <a:rPr lang="it-IT" sz="2000" b="1" i="1" dirty="0">
                 <a:latin typeface="Courier New" panose="02070309020205020404" pitchFamily="49" charset="0"/>
                 <a:cs typeface="Courier New" panose="02070309020205020404" pitchFamily="49" charset="0"/>
               </a:rPr>
               <a:t>&amp;v</a:t>
             </a:r>
             <a:r>
-              <a:rPr lang="it-IT" dirty="0"/>
+              <a:rPr lang="it-IT" sz="2000" dirty="0"/>
               <a:t> è la locazione o indirizzo di memoria dove è memorizzato il valore di </a:t>
             </a:r>
             <a:r>
-              <a:rPr lang="it-IT" b="1" i="1" dirty="0">
+              <a:rPr lang="it-IT" sz="2000" b="1" i="1" dirty="0">
                 <a:latin typeface="Courier New" panose="02070309020205020404" pitchFamily="49" charset="0"/>
                 <a:cs typeface="Courier New" panose="02070309020205020404" pitchFamily="49" charset="0"/>
               </a:rPr>
@@ -7180,35 +7180,108 @@
           </a:p>
           <a:p>
             <a:r>
-              <a:rPr lang="it-IT" dirty="0"/>
+              <a:rPr lang="it-IT" sz="2000" dirty="0"/>
               <a:t>l’operatore </a:t>
             </a:r>
             <a:r>
-              <a:rPr lang="it-IT" b="1" dirty="0">
+              <a:rPr lang="it-IT" sz="2000" b="1" dirty="0">
                 <a:latin typeface="Courier New" panose="02070309020205020404" pitchFamily="49" charset="0"/>
                 <a:cs typeface="Courier New" panose="02070309020205020404" pitchFamily="49" charset="0"/>
               </a:rPr>
               <a:t>*</a:t>
             </a:r>
             <a:r>
-              <a:rPr lang="it-IT" dirty="0"/>
+              <a:rPr lang="it-IT" sz="2000" dirty="0"/>
               <a:t> (</a:t>
             </a:r>
             <a:r>
-              <a:rPr lang="it-IT" i="1" dirty="0" err="1"/>
+              <a:rPr lang="it-IT" sz="2000" i="1" dirty="0" err="1"/>
               <a:t>indirection</a:t>
             </a:r>
             <a:r>
-              <a:rPr lang="it-IT" i="1" dirty="0"/>
+              <a:rPr lang="it-IT" sz="2000" i="1" dirty="0"/>
               <a:t> operator</a:t>
             </a:r>
             <a:r>
-              <a:rPr lang="it-IT" dirty="0"/>
+              <a:rPr lang="it-IT" sz="2000" dirty="0"/>
               <a:t>) ritorna un sinonimo dell’oggetto a cui il suo operando (un puntatore) punta</a:t>
             </a:r>
           </a:p>
           <a:p>
-            <a:endParaRPr lang="it-IT" b="1" i="1" dirty="0">
+            <a:r>
+              <a:rPr lang="it-IT" sz="2000" dirty="0"/>
+              <a:t>i puntatori sono </a:t>
+            </a:r>
+            <a:r>
+              <a:rPr lang="it-IT" sz="2000" b="1" i="1" dirty="0"/>
+              <a:t>tipizzati</a:t>
+            </a:r>
+            <a:r>
+              <a:rPr lang="it-IT" sz="2000" dirty="0"/>
+              <a:t> (in fase di dichiarazione è necessario specificare il tipo dell’oggetto puntato)</a:t>
+            </a:r>
+          </a:p>
+          <a:p>
+            <a:r>
+              <a:rPr lang="it-IT" sz="2000" dirty="0"/>
+              <a:t>es: </a:t>
+            </a:r>
+            <a:r>
+              <a:rPr lang="it-IT" sz="2000" b="1" dirty="0" err="1">
+                <a:latin typeface="Courier New" panose="02070309020205020404" pitchFamily="49" charset="0"/>
+                <a:cs typeface="Courier New" panose="02070309020205020404" pitchFamily="49" charset="0"/>
+              </a:rPr>
+              <a:t>int</a:t>
+            </a:r>
+            <a:r>
+              <a:rPr lang="it-IT" sz="2000" b="1" dirty="0">
+                <a:latin typeface="Courier New" panose="02070309020205020404" pitchFamily="49" charset="0"/>
+                <a:cs typeface="Courier New" panose="02070309020205020404" pitchFamily="49" charset="0"/>
+              </a:rPr>
+              <a:t> *</a:t>
+            </a:r>
+            <a:r>
+              <a:rPr lang="it-IT" sz="2000" b="1" dirty="0" err="1">
+                <a:latin typeface="Courier New" panose="02070309020205020404" pitchFamily="49" charset="0"/>
+                <a:cs typeface="Courier New" panose="02070309020205020404" pitchFamily="49" charset="0"/>
+              </a:rPr>
+              <a:t>pi</a:t>
+            </a:r>
+            <a:r>
+              <a:rPr lang="it-IT" sz="2000" b="1" dirty="0">
+                <a:latin typeface="Courier New" panose="02070309020205020404" pitchFamily="49" charset="0"/>
+                <a:cs typeface="Courier New" panose="02070309020205020404" pitchFamily="49" charset="0"/>
+              </a:rPr>
+              <a:t>;	  // </a:t>
+            </a:r>
+            <a:r>
+              <a:rPr lang="it-IT" sz="2000" b="1" dirty="0" err="1">
+                <a:latin typeface="Courier New" panose="02070309020205020404" pitchFamily="49" charset="0"/>
+                <a:cs typeface="Courier New" panose="02070309020205020404" pitchFamily="49" charset="0"/>
+              </a:rPr>
+              <a:t>pi</a:t>
+            </a:r>
+            <a:r>
+              <a:rPr lang="it-IT" sz="2000" b="1" dirty="0">
+                <a:latin typeface="Courier New" panose="02070309020205020404" pitchFamily="49" charset="0"/>
+                <a:cs typeface="Courier New" panose="02070309020205020404" pitchFamily="49" charset="0"/>
+              </a:rPr>
+              <a:t> è un puntatore a un </a:t>
+            </a:r>
+            <a:r>
+              <a:rPr lang="it-IT" sz="2000" b="1" dirty="0" err="1">
+                <a:latin typeface="Courier New" panose="02070309020205020404" pitchFamily="49" charset="0"/>
+                <a:cs typeface="Courier New" panose="02070309020205020404" pitchFamily="49" charset="0"/>
+              </a:rPr>
+              <a:t>int</a:t>
+            </a:r>
+            <a:endParaRPr lang="it-IT" sz="2000" b="1" dirty="0">
+              <a:latin typeface="Courier New" panose="02070309020205020404" pitchFamily="49" charset="0"/>
+              <a:cs typeface="Courier New" panose="02070309020205020404" pitchFamily="49" charset="0"/>
+            </a:endParaRPr>
+          </a:p>
+          <a:p>
+            <a:endParaRPr lang="it-IT" sz="2000" b="1" i="1" dirty="0">
               <a:latin typeface="Courier New" panose="02070309020205020404" pitchFamily="49" charset="0"/>
               <a:cs typeface="Courier New" panose="02070309020205020404" pitchFamily="49" charset="0"/>
             </a:endParaRPr>

--- a/lezioni/PASW03b - C++ puntatori.pptx
+++ b/lezioni/PASW03b - C++ puntatori.pptx
@@ -5,7 +5,7 @@
     <p:sldMasterId id="2147483649" r:id="rId1"/>
   </p:sldMasterIdLst>
   <p:notesMasterIdLst>
-    <p:notesMasterId r:id="rId15"/>
+    <p:notesMasterId r:id="rId19"/>
   </p:notesMasterIdLst>
   <p:sldIdLst>
     <p:sldId id="258" r:id="rId2"/>
@@ -21,6 +21,10 @@
     <p:sldId id="263" r:id="rId12"/>
     <p:sldId id="262" r:id="rId13"/>
     <p:sldId id="270" r:id="rId14"/>
+    <p:sldId id="271" r:id="rId15"/>
+    <p:sldId id="272" r:id="rId16"/>
+    <p:sldId id="273" r:id="rId17"/>
+    <p:sldId id="274" r:id="rId18"/>
   </p:sldIdLst>
   <p:sldSz cx="12192000" cy="6858000"/>
   <p:notesSz cx="6858000" cy="9144000"/>
@@ -250,7 +254,7 @@
           <a:p>
             <a:fld id="{537EE30C-6FCC-4D68-889C-61DBBB4BBB87}" type="datetimeFigureOut">
               <a:rPr lang="it-IT" smtClean="0"/>
-              <a:t>06/03/2018</a:t>
+              <a:t>10/03/2018</a:t>
             </a:fld>
             <a:endParaRPr lang="it-IT"/>
           </a:p>
@@ -7038,6 +7042,1902 @@
     <p:extLst>
       <p:ext uri="{BB962C8B-B14F-4D97-AF65-F5344CB8AC3E}">
         <p14:creationId xmlns:p14="http://schemas.microsoft.com/office/powerpoint/2010/main" val="3572977544"/>
+      </p:ext>
+    </p:extLst>
+  </p:cSld>
+  <p:clrMapOvr>
+    <a:masterClrMapping/>
+  </p:clrMapOvr>
+</p:sld>
+</file>
+
+<file path=ppt/slides/slide14.xml><?xml version="1.0" encoding="utf-8"?>
+<p:sld xmlns:a="http://schemas.openxmlformats.org/drawingml/2006/main" xmlns:r="http://schemas.openxmlformats.org/officeDocument/2006/relationships" xmlns:p="http://schemas.openxmlformats.org/presentationml/2006/main">
+  <p:cSld>
+    <p:spTree>
+      <p:nvGrpSpPr>
+        <p:cNvPr id="1" name=""/>
+        <p:cNvGrpSpPr/>
+        <p:nvPr/>
+      </p:nvGrpSpPr>
+      <p:grpSpPr>
+        <a:xfrm>
+          <a:off x="0" y="0"/>
+          <a:ext cx="0" cy="0"/>
+          <a:chOff x="0" y="0"/>
+          <a:chExt cx="0" cy="0"/>
+        </a:xfrm>
+      </p:grpSpPr>
+      <p:sp>
+        <p:nvSpPr>
+          <p:cNvPr id="2" name="Titolo 1">
+            <a:extLst>
+              <a:ext uri="{FF2B5EF4-FFF2-40B4-BE49-F238E27FC236}">
+                <a16:creationId xmlns:a16="http://schemas.microsoft.com/office/drawing/2014/main" id="{5CA16A8A-A273-44CC-AE1C-A91C49429BBE}"/>
+              </a:ext>
+            </a:extLst>
+          </p:cNvPr>
+          <p:cNvSpPr>
+            <a:spLocks noGrp="1"/>
+          </p:cNvSpPr>
+          <p:nvPr>
+            <p:ph type="title"/>
+          </p:nvPr>
+        </p:nvSpPr>
+        <p:spPr/>
+        <p:txBody>
+          <a:bodyPr/>
+          <a:lstStyle/>
+          <a:p>
+            <a:r>
+              <a:rPr lang="it-IT" dirty="0"/>
+              <a:t>array statici vs array dinamici</a:t>
+            </a:r>
+          </a:p>
+        </p:txBody>
+      </p:sp>
+      <p:sp>
+        <p:nvSpPr>
+          <p:cNvPr id="3" name="Segnaposto contenuto 2">
+            <a:extLst>
+              <a:ext uri="{FF2B5EF4-FFF2-40B4-BE49-F238E27FC236}">
+                <a16:creationId xmlns:a16="http://schemas.microsoft.com/office/drawing/2014/main" id="{A3B6A7F0-7CDB-4E20-A3FB-0362A6C3E333}"/>
+              </a:ext>
+            </a:extLst>
+          </p:cNvPr>
+          <p:cNvSpPr>
+            <a:spLocks noGrp="1"/>
+          </p:cNvSpPr>
+          <p:nvPr>
+            <p:ph idx="1"/>
+          </p:nvPr>
+        </p:nvSpPr>
+        <p:spPr/>
+        <p:txBody>
+          <a:bodyPr/>
+          <a:lstStyle/>
+          <a:p>
+            <a:r>
+              <a:rPr lang="it-IT" dirty="0"/>
+              <a:t>allocazione </a:t>
+            </a:r>
+            <a:r>
+              <a:rPr lang="it-IT" b="1" i="1" dirty="0"/>
+              <a:t>statica</a:t>
+            </a:r>
+          </a:p>
+          <a:p>
+            <a:pPr lvl="1"/>
+            <a:r>
+              <a:rPr lang="it-IT" b="1" i="1" dirty="0"/>
+              <a:t>compile time </a:t>
+            </a:r>
+            <a:r>
+              <a:rPr lang="it-IT" dirty="0"/>
+              <a:t>è conosciuta la dimensione dell’array</a:t>
+            </a:r>
+          </a:p>
+          <a:p>
+            <a:r>
+              <a:rPr lang="it-IT" dirty="0"/>
+              <a:t>allocazione </a:t>
+            </a:r>
+            <a:r>
+              <a:rPr lang="it-IT" b="1" i="1" dirty="0"/>
+              <a:t>dinamica</a:t>
+            </a:r>
+          </a:p>
+          <a:p>
+            <a:pPr lvl="1"/>
+            <a:r>
+              <a:rPr lang="it-IT" b="1" i="1" dirty="0" err="1"/>
+              <a:t>runtime</a:t>
+            </a:r>
+            <a:r>
+              <a:rPr lang="it-IT" dirty="0"/>
+              <a:t> viene definita la dimensione dell’array</a:t>
+            </a:r>
+          </a:p>
+        </p:txBody>
+      </p:sp>
+      <p:sp>
+        <p:nvSpPr>
+          <p:cNvPr id="4" name="Segnaposto piè di pagina 3">
+            <a:extLst>
+              <a:ext uri="{FF2B5EF4-FFF2-40B4-BE49-F238E27FC236}">
+                <a16:creationId xmlns:a16="http://schemas.microsoft.com/office/drawing/2014/main" id="{86E4C7EA-FA3B-42FD-84AB-4C749EFAF61C}"/>
+              </a:ext>
+            </a:extLst>
+          </p:cNvPr>
+          <p:cNvSpPr>
+            <a:spLocks noGrp="1"/>
+          </p:cNvSpPr>
+          <p:nvPr>
+            <p:ph type="ftr" sz="quarter" idx="11"/>
+          </p:nvPr>
+        </p:nvSpPr>
+        <p:spPr/>
+        <p:txBody>
+          <a:bodyPr/>
+          <a:lstStyle/>
+          <a:p>
+            <a:pPr>
+              <a:defRPr/>
+            </a:pPr>
+            <a:r>
+              <a:rPr lang="it-IT"/>
+              <a:t>Alberto Ferrari – Programmazione di applicazioni SW</a:t>
+            </a:r>
+            <a:endParaRPr lang="it-IT" dirty="0"/>
+          </a:p>
+        </p:txBody>
+      </p:sp>
+    </p:spTree>
+    <p:extLst>
+      <p:ext uri="{BB962C8B-B14F-4D97-AF65-F5344CB8AC3E}">
+        <p14:creationId xmlns:p14="http://schemas.microsoft.com/office/powerpoint/2010/main" val="2495815764"/>
+      </p:ext>
+    </p:extLst>
+  </p:cSld>
+  <p:clrMapOvr>
+    <a:masterClrMapping/>
+  </p:clrMapOvr>
+</p:sld>
+</file>
+
+<file path=ppt/slides/slide15.xml><?xml version="1.0" encoding="utf-8"?>
+<p:sld xmlns:a="http://schemas.openxmlformats.org/drawingml/2006/main" xmlns:r="http://schemas.openxmlformats.org/officeDocument/2006/relationships" xmlns:p="http://schemas.openxmlformats.org/presentationml/2006/main">
+  <p:cSld>
+    <p:spTree>
+      <p:nvGrpSpPr>
+        <p:cNvPr id="1" name=""/>
+        <p:cNvGrpSpPr/>
+        <p:nvPr/>
+      </p:nvGrpSpPr>
+      <p:grpSpPr>
+        <a:xfrm>
+          <a:off x="0" y="0"/>
+          <a:ext cx="0" cy="0"/>
+          <a:chOff x="0" y="0"/>
+          <a:chExt cx="0" cy="0"/>
+        </a:xfrm>
+      </p:grpSpPr>
+      <p:sp>
+        <p:nvSpPr>
+          <p:cNvPr id="2" name="Titolo 1">
+            <a:extLst>
+              <a:ext uri="{FF2B5EF4-FFF2-40B4-BE49-F238E27FC236}">
+                <a16:creationId xmlns:a16="http://schemas.microsoft.com/office/drawing/2014/main" id="{740C9976-FFD0-4170-8E5B-5B7C465EAC0E}"/>
+              </a:ext>
+            </a:extLst>
+          </p:cNvPr>
+          <p:cNvSpPr>
+            <a:spLocks noGrp="1"/>
+          </p:cNvSpPr>
+          <p:nvPr>
+            <p:ph type="title"/>
+          </p:nvPr>
+        </p:nvSpPr>
+        <p:spPr/>
+        <p:txBody>
+          <a:bodyPr/>
+          <a:lstStyle/>
+          <a:p>
+            <a:r>
+              <a:rPr lang="it-IT" dirty="0"/>
+              <a:t>allocazione statica</a:t>
+            </a:r>
+          </a:p>
+        </p:txBody>
+      </p:sp>
+      <p:sp>
+        <p:nvSpPr>
+          <p:cNvPr id="3" name="Segnaposto contenuto 2">
+            <a:extLst>
+              <a:ext uri="{FF2B5EF4-FFF2-40B4-BE49-F238E27FC236}">
+                <a16:creationId xmlns:a16="http://schemas.microsoft.com/office/drawing/2014/main" id="{7D6AE74A-11DE-471C-B0D0-8E36078466AD}"/>
+              </a:ext>
+            </a:extLst>
+          </p:cNvPr>
+          <p:cNvSpPr>
+            <a:spLocks noGrp="1"/>
+          </p:cNvSpPr>
+          <p:nvPr>
+            <p:ph idx="1"/>
+          </p:nvPr>
+        </p:nvSpPr>
+        <p:spPr/>
+        <p:txBody>
+          <a:bodyPr/>
+          <a:lstStyle/>
+          <a:p>
+            <a:pPr marL="0" indent="0">
+              <a:buNone/>
+            </a:pPr>
+            <a:r>
+              <a:rPr lang="it-IT" sz="1800" b="1" dirty="0">
+                <a:latin typeface="Courier New" panose="02070309020205020404" pitchFamily="49" charset="0"/>
+                <a:cs typeface="Courier New" panose="02070309020205020404" pitchFamily="49" charset="0"/>
+              </a:rPr>
+              <a:t>#</a:t>
+            </a:r>
+            <a:r>
+              <a:rPr lang="it-IT" sz="1800" b="1" dirty="0" err="1">
+                <a:latin typeface="Courier New" panose="02070309020205020404" pitchFamily="49" charset="0"/>
+                <a:cs typeface="Courier New" panose="02070309020205020404" pitchFamily="49" charset="0"/>
+              </a:rPr>
+              <a:t>define</a:t>
+            </a:r>
+            <a:r>
+              <a:rPr lang="it-IT" sz="1800" b="1" dirty="0">
+                <a:latin typeface="Courier New" panose="02070309020205020404" pitchFamily="49" charset="0"/>
+                <a:cs typeface="Courier New" panose="02070309020205020404" pitchFamily="49" charset="0"/>
+              </a:rPr>
+              <a:t> LEN01 10</a:t>
+            </a:r>
+          </a:p>
+          <a:p>
+            <a:pPr marL="0" indent="0">
+              <a:buNone/>
+            </a:pPr>
+            <a:r>
+              <a:rPr lang="it-IT" sz="1800" b="1" dirty="0">
+                <a:latin typeface="Courier New" panose="02070309020205020404" pitchFamily="49" charset="0"/>
+                <a:cs typeface="Courier New" panose="02070309020205020404" pitchFamily="49" charset="0"/>
+              </a:rPr>
+              <a:t>…	</a:t>
+            </a:r>
+          </a:p>
+          <a:p>
+            <a:pPr marL="0" indent="0">
+              <a:buNone/>
+            </a:pPr>
+            <a:r>
+              <a:rPr lang="it-IT" sz="1800" b="1" dirty="0">
+                <a:solidFill>
+                  <a:srgbClr val="FF0000"/>
+                </a:solidFill>
+                <a:latin typeface="Courier New" panose="02070309020205020404" pitchFamily="49" charset="0"/>
+                <a:cs typeface="Courier New" panose="02070309020205020404" pitchFamily="49" charset="0"/>
+              </a:rPr>
+              <a:t>double stArr01[LEN01];		// lunghezza costante #</a:t>
+            </a:r>
+            <a:r>
+              <a:rPr lang="it-IT" sz="1800" b="1" dirty="0" err="1">
+                <a:solidFill>
+                  <a:srgbClr val="FF0000"/>
+                </a:solidFill>
+                <a:latin typeface="Courier New" panose="02070309020205020404" pitchFamily="49" charset="0"/>
+                <a:cs typeface="Courier New" panose="02070309020205020404" pitchFamily="49" charset="0"/>
+              </a:rPr>
+              <a:t>define</a:t>
+            </a:r>
+            <a:r>
+              <a:rPr lang="it-IT" sz="1800" b="1" dirty="0">
+                <a:solidFill>
+                  <a:srgbClr val="FF0000"/>
+                </a:solidFill>
+                <a:latin typeface="Courier New" panose="02070309020205020404" pitchFamily="49" charset="0"/>
+                <a:cs typeface="Courier New" panose="02070309020205020404" pitchFamily="49" charset="0"/>
+              </a:rPr>
+              <a:t> …</a:t>
+            </a:r>
+          </a:p>
+          <a:p>
+            <a:pPr marL="0" indent="0">
+              <a:buNone/>
+            </a:pPr>
+            <a:r>
+              <a:rPr lang="it-IT" sz="1800" b="1" dirty="0" err="1">
+                <a:latin typeface="Courier New" panose="02070309020205020404" pitchFamily="49" charset="0"/>
+                <a:cs typeface="Courier New" panose="02070309020205020404" pitchFamily="49" charset="0"/>
+              </a:rPr>
+              <a:t>cout</a:t>
+            </a:r>
+            <a:r>
+              <a:rPr lang="it-IT" sz="1800" b="1" dirty="0">
+                <a:latin typeface="Courier New" panose="02070309020205020404" pitchFamily="49" charset="0"/>
+                <a:cs typeface="Courier New" panose="02070309020205020404" pitchFamily="49" charset="0"/>
+              </a:rPr>
+              <a:t> &lt;&lt; "</a:t>
+            </a:r>
+            <a:r>
+              <a:rPr lang="it-IT" sz="1800" b="1" dirty="0" err="1">
+                <a:latin typeface="Courier New" panose="02070309020205020404" pitchFamily="49" charset="0"/>
+                <a:cs typeface="Courier New" panose="02070309020205020404" pitchFamily="49" charset="0"/>
+              </a:rPr>
+              <a:t>size</a:t>
+            </a:r>
+            <a:r>
+              <a:rPr lang="it-IT" sz="1800" b="1" dirty="0">
+                <a:latin typeface="Courier New" panose="02070309020205020404" pitchFamily="49" charset="0"/>
+                <a:cs typeface="Courier New" panose="02070309020205020404" pitchFamily="49" charset="0"/>
+              </a:rPr>
+              <a:t> of stArr01: " &lt;&lt; </a:t>
+            </a:r>
+            <a:r>
+              <a:rPr lang="it-IT" sz="1800" b="1" dirty="0" err="1">
+                <a:latin typeface="Courier New" panose="02070309020205020404" pitchFamily="49" charset="0"/>
+                <a:cs typeface="Courier New" panose="02070309020205020404" pitchFamily="49" charset="0"/>
+              </a:rPr>
+              <a:t>sizeof</a:t>
+            </a:r>
+            <a:r>
+              <a:rPr lang="it-IT" sz="1800" b="1" dirty="0">
+                <a:latin typeface="Courier New" panose="02070309020205020404" pitchFamily="49" charset="0"/>
+                <a:cs typeface="Courier New" panose="02070309020205020404" pitchFamily="49" charset="0"/>
+              </a:rPr>
+              <a:t> stArr01 &lt;&lt; " </a:t>
+            </a:r>
+            <a:r>
+              <a:rPr lang="it-IT" sz="1800" b="1" dirty="0" err="1">
+                <a:latin typeface="Courier New" panose="02070309020205020404" pitchFamily="49" charset="0"/>
+                <a:cs typeface="Courier New" panose="02070309020205020404" pitchFamily="49" charset="0"/>
+              </a:rPr>
+              <a:t>bytes</a:t>
+            </a:r>
+            <a:r>
+              <a:rPr lang="it-IT" sz="1800" b="1" dirty="0">
+                <a:latin typeface="Courier New" panose="02070309020205020404" pitchFamily="49" charset="0"/>
+                <a:cs typeface="Courier New" panose="02070309020205020404" pitchFamily="49" charset="0"/>
+              </a:rPr>
+              <a:t> " &lt;&lt; </a:t>
+            </a:r>
+            <a:r>
+              <a:rPr lang="it-IT" sz="1800" b="1" dirty="0" err="1">
+                <a:latin typeface="Courier New" panose="02070309020205020404" pitchFamily="49" charset="0"/>
+                <a:cs typeface="Courier New" panose="02070309020205020404" pitchFamily="49" charset="0"/>
+              </a:rPr>
+              <a:t>endl</a:t>
+            </a:r>
+            <a:r>
+              <a:rPr lang="it-IT" sz="1800" b="1" dirty="0">
+                <a:latin typeface="Courier New" panose="02070309020205020404" pitchFamily="49" charset="0"/>
+                <a:cs typeface="Courier New" panose="02070309020205020404" pitchFamily="49" charset="0"/>
+              </a:rPr>
+              <a:t>;</a:t>
+            </a:r>
+          </a:p>
+          <a:p>
+            <a:pPr marL="0" indent="0">
+              <a:buNone/>
+            </a:pPr>
+            <a:r>
+              <a:rPr lang="it-IT" sz="1800" b="1" dirty="0" err="1">
+                <a:latin typeface="Courier New" panose="02070309020205020404" pitchFamily="49" charset="0"/>
+                <a:cs typeface="Courier New" panose="02070309020205020404" pitchFamily="49" charset="0"/>
+              </a:rPr>
+              <a:t>cout</a:t>
+            </a:r>
+            <a:r>
+              <a:rPr lang="it-IT" sz="1800" b="1" dirty="0">
+                <a:latin typeface="Courier New" panose="02070309020205020404" pitchFamily="49" charset="0"/>
+                <a:cs typeface="Courier New" panose="02070309020205020404" pitchFamily="49" charset="0"/>
+              </a:rPr>
+              <a:t> &lt;&lt; "</a:t>
+            </a:r>
+            <a:r>
+              <a:rPr lang="it-IT" sz="1800" b="1" dirty="0" err="1">
+                <a:latin typeface="Courier New" panose="02070309020205020404" pitchFamily="49" charset="0"/>
+                <a:cs typeface="Courier New" panose="02070309020205020404" pitchFamily="49" charset="0"/>
+              </a:rPr>
+              <a:t>memory</a:t>
+            </a:r>
+            <a:r>
+              <a:rPr lang="it-IT" sz="1800" b="1" dirty="0">
+                <a:latin typeface="Courier New" panose="02070309020205020404" pitchFamily="49" charset="0"/>
+                <a:cs typeface="Courier New" panose="02070309020205020404" pitchFamily="49" charset="0"/>
+              </a:rPr>
+              <a:t> </a:t>
+            </a:r>
+            <a:r>
+              <a:rPr lang="it-IT" sz="1800" b="1" dirty="0" err="1">
+                <a:latin typeface="Courier New" panose="02070309020205020404" pitchFamily="49" charset="0"/>
+                <a:cs typeface="Courier New" panose="02070309020205020404" pitchFamily="49" charset="0"/>
+              </a:rPr>
+              <a:t>address</a:t>
+            </a:r>
+            <a:r>
+              <a:rPr lang="it-IT" sz="1800" b="1" dirty="0">
+                <a:latin typeface="Courier New" panose="02070309020205020404" pitchFamily="49" charset="0"/>
+                <a:cs typeface="Courier New" panose="02070309020205020404" pitchFamily="49" charset="0"/>
+              </a:rPr>
+              <a:t> of stArr01: " &lt;&lt; &amp;stArr01 &lt;&lt; </a:t>
+            </a:r>
+            <a:r>
+              <a:rPr lang="it-IT" sz="1800" b="1" dirty="0" err="1">
+                <a:latin typeface="Courier New" panose="02070309020205020404" pitchFamily="49" charset="0"/>
+                <a:cs typeface="Courier New" panose="02070309020205020404" pitchFamily="49" charset="0"/>
+              </a:rPr>
+              <a:t>endl</a:t>
+            </a:r>
+            <a:r>
+              <a:rPr lang="it-IT" sz="1800" b="1" dirty="0">
+                <a:latin typeface="Courier New" panose="02070309020205020404" pitchFamily="49" charset="0"/>
+                <a:cs typeface="Courier New" panose="02070309020205020404" pitchFamily="49" charset="0"/>
+              </a:rPr>
+              <a:t>;	</a:t>
+            </a:r>
+          </a:p>
+          <a:p>
+            <a:pPr marL="0" indent="0">
+              <a:buNone/>
+            </a:pPr>
+            <a:endParaRPr lang="it-IT" sz="1800" dirty="0">
+              <a:latin typeface="Courier New" panose="02070309020205020404" pitchFamily="49" charset="0"/>
+              <a:cs typeface="Courier New" panose="02070309020205020404" pitchFamily="49" charset="0"/>
+            </a:endParaRPr>
+          </a:p>
+          <a:p>
+            <a:pPr marL="0" indent="0">
+              <a:buNone/>
+            </a:pPr>
+            <a:r>
+              <a:rPr lang="it-IT" sz="1800" b="1" dirty="0" err="1">
+                <a:latin typeface="Courier New" panose="02070309020205020404" pitchFamily="49" charset="0"/>
+                <a:cs typeface="Courier New" panose="02070309020205020404" pitchFamily="49" charset="0"/>
+              </a:rPr>
+              <a:t>const</a:t>
+            </a:r>
+            <a:r>
+              <a:rPr lang="it-IT" sz="1800" b="1" dirty="0">
+                <a:latin typeface="Courier New" panose="02070309020205020404" pitchFamily="49" charset="0"/>
+                <a:cs typeface="Courier New" panose="02070309020205020404" pitchFamily="49" charset="0"/>
+              </a:rPr>
+              <a:t> </a:t>
+            </a:r>
+            <a:r>
+              <a:rPr lang="it-IT" sz="1800" b="1" dirty="0" err="1">
+                <a:latin typeface="Courier New" panose="02070309020205020404" pitchFamily="49" charset="0"/>
+                <a:cs typeface="Courier New" panose="02070309020205020404" pitchFamily="49" charset="0"/>
+              </a:rPr>
+              <a:t>int</a:t>
+            </a:r>
+            <a:r>
+              <a:rPr lang="it-IT" sz="1800" b="1" dirty="0">
+                <a:latin typeface="Courier New" panose="02070309020205020404" pitchFamily="49" charset="0"/>
+                <a:cs typeface="Courier New" panose="02070309020205020404" pitchFamily="49" charset="0"/>
+              </a:rPr>
+              <a:t> len02 = 10;</a:t>
+            </a:r>
+          </a:p>
+          <a:p>
+            <a:pPr marL="0" indent="0">
+              <a:buNone/>
+            </a:pPr>
+            <a:r>
+              <a:rPr lang="it-IT" sz="1800" b="1" dirty="0">
+                <a:solidFill>
+                  <a:srgbClr val="FF0000"/>
+                </a:solidFill>
+                <a:latin typeface="Courier New" panose="02070309020205020404" pitchFamily="49" charset="0"/>
+                <a:cs typeface="Courier New" panose="02070309020205020404" pitchFamily="49" charset="0"/>
+              </a:rPr>
+              <a:t>double stArr02[len02];</a:t>
+            </a:r>
+            <a:r>
+              <a:rPr lang="it-IT" sz="1800" b="1" dirty="0">
+                <a:latin typeface="Courier New" panose="02070309020205020404" pitchFamily="49" charset="0"/>
+                <a:cs typeface="Courier New" panose="02070309020205020404" pitchFamily="49" charset="0"/>
+              </a:rPr>
+              <a:t>		</a:t>
+            </a:r>
+            <a:r>
+              <a:rPr lang="it-IT" sz="1800" b="1" dirty="0">
+                <a:solidFill>
+                  <a:srgbClr val="FF0000"/>
+                </a:solidFill>
+                <a:latin typeface="Courier New" panose="02070309020205020404" pitchFamily="49" charset="0"/>
+                <a:cs typeface="Courier New" panose="02070309020205020404" pitchFamily="49" charset="0"/>
+              </a:rPr>
+              <a:t>// lunghezza costante </a:t>
+            </a:r>
+            <a:r>
+              <a:rPr lang="it-IT" sz="1800" b="1" dirty="0" err="1">
+                <a:solidFill>
+                  <a:srgbClr val="FF0000"/>
+                </a:solidFill>
+                <a:latin typeface="Courier New" panose="02070309020205020404" pitchFamily="49" charset="0"/>
+                <a:cs typeface="Courier New" panose="02070309020205020404" pitchFamily="49" charset="0"/>
+              </a:rPr>
+              <a:t>const</a:t>
+            </a:r>
+            <a:r>
+              <a:rPr lang="it-IT" sz="1800" b="1" dirty="0">
+                <a:solidFill>
+                  <a:srgbClr val="FF0000"/>
+                </a:solidFill>
+                <a:latin typeface="Courier New" panose="02070309020205020404" pitchFamily="49" charset="0"/>
+                <a:cs typeface="Courier New" panose="02070309020205020404" pitchFamily="49" charset="0"/>
+              </a:rPr>
+              <a:t> </a:t>
+            </a:r>
+            <a:r>
+              <a:rPr lang="it-IT" sz="1800" b="1" dirty="0" err="1">
+                <a:solidFill>
+                  <a:srgbClr val="FF0000"/>
+                </a:solidFill>
+                <a:latin typeface="Courier New" panose="02070309020205020404" pitchFamily="49" charset="0"/>
+                <a:cs typeface="Courier New" panose="02070309020205020404" pitchFamily="49" charset="0"/>
+              </a:rPr>
+              <a:t>int</a:t>
+            </a:r>
+            <a:r>
+              <a:rPr lang="it-IT" sz="1800" b="1" dirty="0">
+                <a:solidFill>
+                  <a:srgbClr val="FF0000"/>
+                </a:solidFill>
+                <a:latin typeface="Courier New" panose="02070309020205020404" pitchFamily="49" charset="0"/>
+                <a:cs typeface="Courier New" panose="02070309020205020404" pitchFamily="49" charset="0"/>
+              </a:rPr>
+              <a:t> …</a:t>
+            </a:r>
+          </a:p>
+          <a:p>
+            <a:pPr marL="0" indent="0">
+              <a:buNone/>
+            </a:pPr>
+            <a:r>
+              <a:rPr lang="it-IT" sz="1800" b="1" dirty="0" err="1">
+                <a:latin typeface="Courier New" panose="02070309020205020404" pitchFamily="49" charset="0"/>
+                <a:cs typeface="Courier New" panose="02070309020205020404" pitchFamily="49" charset="0"/>
+              </a:rPr>
+              <a:t>cout</a:t>
+            </a:r>
+            <a:r>
+              <a:rPr lang="it-IT" sz="1800" b="1" dirty="0">
+                <a:latin typeface="Courier New" panose="02070309020205020404" pitchFamily="49" charset="0"/>
+                <a:cs typeface="Courier New" panose="02070309020205020404" pitchFamily="49" charset="0"/>
+              </a:rPr>
+              <a:t> &lt;&lt; "</a:t>
+            </a:r>
+            <a:r>
+              <a:rPr lang="it-IT" sz="1800" b="1" dirty="0" err="1">
+                <a:latin typeface="Courier New" panose="02070309020205020404" pitchFamily="49" charset="0"/>
+                <a:cs typeface="Courier New" panose="02070309020205020404" pitchFamily="49" charset="0"/>
+              </a:rPr>
+              <a:t>size</a:t>
+            </a:r>
+            <a:r>
+              <a:rPr lang="it-IT" sz="1800" b="1" dirty="0">
+                <a:latin typeface="Courier New" panose="02070309020205020404" pitchFamily="49" charset="0"/>
+                <a:cs typeface="Courier New" panose="02070309020205020404" pitchFamily="49" charset="0"/>
+              </a:rPr>
+              <a:t> of stArr02: " &lt;&lt; </a:t>
+            </a:r>
+            <a:r>
+              <a:rPr lang="it-IT" sz="1800" b="1" dirty="0" err="1">
+                <a:latin typeface="Courier New" panose="02070309020205020404" pitchFamily="49" charset="0"/>
+                <a:cs typeface="Courier New" panose="02070309020205020404" pitchFamily="49" charset="0"/>
+              </a:rPr>
+              <a:t>sizeof</a:t>
+            </a:r>
+            <a:r>
+              <a:rPr lang="it-IT" sz="1800" b="1" dirty="0">
+                <a:latin typeface="Courier New" panose="02070309020205020404" pitchFamily="49" charset="0"/>
+                <a:cs typeface="Courier New" panose="02070309020205020404" pitchFamily="49" charset="0"/>
+              </a:rPr>
+              <a:t> stArr02 &lt;&lt; " </a:t>
+            </a:r>
+            <a:r>
+              <a:rPr lang="it-IT" sz="1800" b="1" dirty="0" err="1">
+                <a:latin typeface="Courier New" panose="02070309020205020404" pitchFamily="49" charset="0"/>
+                <a:cs typeface="Courier New" panose="02070309020205020404" pitchFamily="49" charset="0"/>
+              </a:rPr>
+              <a:t>bytes</a:t>
+            </a:r>
+            <a:r>
+              <a:rPr lang="it-IT" sz="1800" b="1" dirty="0">
+                <a:latin typeface="Courier New" panose="02070309020205020404" pitchFamily="49" charset="0"/>
+                <a:cs typeface="Courier New" panose="02070309020205020404" pitchFamily="49" charset="0"/>
+              </a:rPr>
+              <a:t> " &lt;&lt; </a:t>
+            </a:r>
+            <a:r>
+              <a:rPr lang="it-IT" sz="1800" b="1" dirty="0" err="1">
+                <a:latin typeface="Courier New" panose="02070309020205020404" pitchFamily="49" charset="0"/>
+                <a:cs typeface="Courier New" panose="02070309020205020404" pitchFamily="49" charset="0"/>
+              </a:rPr>
+              <a:t>endl</a:t>
+            </a:r>
+            <a:r>
+              <a:rPr lang="it-IT" sz="1800" b="1" dirty="0">
+                <a:latin typeface="Courier New" panose="02070309020205020404" pitchFamily="49" charset="0"/>
+                <a:cs typeface="Courier New" panose="02070309020205020404" pitchFamily="49" charset="0"/>
+              </a:rPr>
+              <a:t>;</a:t>
+            </a:r>
+          </a:p>
+          <a:p>
+            <a:pPr marL="0" indent="0">
+              <a:buNone/>
+            </a:pPr>
+            <a:r>
+              <a:rPr lang="it-IT" sz="1800" b="1" dirty="0" err="1">
+                <a:latin typeface="Courier New" panose="02070309020205020404" pitchFamily="49" charset="0"/>
+                <a:cs typeface="Courier New" panose="02070309020205020404" pitchFamily="49" charset="0"/>
+              </a:rPr>
+              <a:t>cout</a:t>
+            </a:r>
+            <a:r>
+              <a:rPr lang="it-IT" sz="1800" b="1" dirty="0">
+                <a:latin typeface="Courier New" panose="02070309020205020404" pitchFamily="49" charset="0"/>
+                <a:cs typeface="Courier New" panose="02070309020205020404" pitchFamily="49" charset="0"/>
+              </a:rPr>
+              <a:t> &lt;&lt; "</a:t>
+            </a:r>
+            <a:r>
+              <a:rPr lang="it-IT" sz="1800" b="1" dirty="0" err="1">
+                <a:latin typeface="Courier New" panose="02070309020205020404" pitchFamily="49" charset="0"/>
+                <a:cs typeface="Courier New" panose="02070309020205020404" pitchFamily="49" charset="0"/>
+              </a:rPr>
+              <a:t>memory</a:t>
+            </a:r>
+            <a:r>
+              <a:rPr lang="it-IT" sz="1800" b="1" dirty="0">
+                <a:latin typeface="Courier New" panose="02070309020205020404" pitchFamily="49" charset="0"/>
+                <a:cs typeface="Courier New" panose="02070309020205020404" pitchFamily="49" charset="0"/>
+              </a:rPr>
+              <a:t> </a:t>
+            </a:r>
+            <a:r>
+              <a:rPr lang="it-IT" sz="1800" b="1" dirty="0" err="1">
+                <a:latin typeface="Courier New" panose="02070309020205020404" pitchFamily="49" charset="0"/>
+                <a:cs typeface="Courier New" panose="02070309020205020404" pitchFamily="49" charset="0"/>
+              </a:rPr>
+              <a:t>address</a:t>
+            </a:r>
+            <a:r>
+              <a:rPr lang="it-IT" sz="1800" b="1" dirty="0">
+                <a:latin typeface="Courier New" panose="02070309020205020404" pitchFamily="49" charset="0"/>
+                <a:cs typeface="Courier New" panose="02070309020205020404" pitchFamily="49" charset="0"/>
+              </a:rPr>
+              <a:t> of stArr02: " &lt;&lt; &amp;stArr02 &lt;&lt; </a:t>
+            </a:r>
+            <a:r>
+              <a:rPr lang="it-IT" sz="1800" b="1" dirty="0" err="1">
+                <a:latin typeface="Courier New" panose="02070309020205020404" pitchFamily="49" charset="0"/>
+                <a:cs typeface="Courier New" panose="02070309020205020404" pitchFamily="49" charset="0"/>
+              </a:rPr>
+              <a:t>endl</a:t>
+            </a:r>
+            <a:r>
+              <a:rPr lang="it-IT" sz="1800" b="1" dirty="0">
+                <a:latin typeface="Courier New" panose="02070309020205020404" pitchFamily="49" charset="0"/>
+                <a:cs typeface="Courier New" panose="02070309020205020404" pitchFamily="49" charset="0"/>
+              </a:rPr>
+              <a:t>;	</a:t>
+            </a:r>
+          </a:p>
+          <a:p>
+            <a:pPr marL="0" indent="0">
+              <a:buNone/>
+            </a:pPr>
+            <a:endParaRPr lang="it-IT" sz="1800" dirty="0">
+              <a:latin typeface="Courier New" panose="02070309020205020404" pitchFamily="49" charset="0"/>
+              <a:cs typeface="Courier New" panose="02070309020205020404" pitchFamily="49" charset="0"/>
+            </a:endParaRPr>
+          </a:p>
+          <a:p>
+            <a:pPr marL="0" indent="0">
+              <a:buNone/>
+            </a:pPr>
+            <a:r>
+              <a:rPr lang="it-IT" sz="1800" dirty="0">
+                <a:latin typeface="Courier New" panose="02070309020205020404" pitchFamily="49" charset="0"/>
+                <a:cs typeface="Courier New" panose="02070309020205020404" pitchFamily="49" charset="0"/>
+              </a:rPr>
+              <a:t>	</a:t>
+            </a:r>
+          </a:p>
+          <a:p>
+            <a:pPr marL="0" indent="0">
+              <a:buNone/>
+            </a:pPr>
+            <a:endParaRPr lang="it-IT" sz="1800" dirty="0">
+              <a:latin typeface="Courier New" panose="02070309020205020404" pitchFamily="49" charset="0"/>
+              <a:cs typeface="Courier New" panose="02070309020205020404" pitchFamily="49" charset="0"/>
+            </a:endParaRPr>
+          </a:p>
+        </p:txBody>
+      </p:sp>
+      <p:sp>
+        <p:nvSpPr>
+          <p:cNvPr id="4" name="Segnaposto piè di pagina 3">
+            <a:extLst>
+              <a:ext uri="{FF2B5EF4-FFF2-40B4-BE49-F238E27FC236}">
+                <a16:creationId xmlns:a16="http://schemas.microsoft.com/office/drawing/2014/main" id="{DB3EF688-6283-4D8D-9ACD-CB791DA0639A}"/>
+              </a:ext>
+            </a:extLst>
+          </p:cNvPr>
+          <p:cNvSpPr>
+            <a:spLocks noGrp="1"/>
+          </p:cNvSpPr>
+          <p:nvPr>
+            <p:ph type="ftr" sz="quarter" idx="11"/>
+          </p:nvPr>
+        </p:nvSpPr>
+        <p:spPr/>
+        <p:txBody>
+          <a:bodyPr/>
+          <a:lstStyle/>
+          <a:p>
+            <a:pPr>
+              <a:defRPr/>
+            </a:pPr>
+            <a:r>
+              <a:rPr lang="it-IT"/>
+              <a:t>Alberto Ferrari – Programmazione di applicazioni SW</a:t>
+            </a:r>
+            <a:endParaRPr lang="it-IT" dirty="0"/>
+          </a:p>
+        </p:txBody>
+      </p:sp>
+    </p:spTree>
+    <p:extLst>
+      <p:ext uri="{BB962C8B-B14F-4D97-AF65-F5344CB8AC3E}">
+        <p14:creationId xmlns:p14="http://schemas.microsoft.com/office/powerpoint/2010/main" val="434031438"/>
+      </p:ext>
+    </p:extLst>
+  </p:cSld>
+  <p:clrMapOvr>
+    <a:masterClrMapping/>
+  </p:clrMapOvr>
+</p:sld>
+</file>
+
+<file path=ppt/slides/slide16.xml><?xml version="1.0" encoding="utf-8"?>
+<p:sld xmlns:a="http://schemas.openxmlformats.org/drawingml/2006/main" xmlns:r="http://schemas.openxmlformats.org/officeDocument/2006/relationships" xmlns:p="http://schemas.openxmlformats.org/presentationml/2006/main">
+  <p:cSld>
+    <p:spTree>
+      <p:nvGrpSpPr>
+        <p:cNvPr id="1" name=""/>
+        <p:cNvGrpSpPr/>
+        <p:nvPr/>
+      </p:nvGrpSpPr>
+      <p:grpSpPr>
+        <a:xfrm>
+          <a:off x="0" y="0"/>
+          <a:ext cx="0" cy="0"/>
+          <a:chOff x="0" y="0"/>
+          <a:chExt cx="0" cy="0"/>
+        </a:xfrm>
+      </p:grpSpPr>
+      <p:sp>
+        <p:nvSpPr>
+          <p:cNvPr id="2" name="Titolo 1">
+            <a:extLst>
+              <a:ext uri="{FF2B5EF4-FFF2-40B4-BE49-F238E27FC236}">
+                <a16:creationId xmlns:a16="http://schemas.microsoft.com/office/drawing/2014/main" id="{740C9976-FFD0-4170-8E5B-5B7C465EAC0E}"/>
+              </a:ext>
+            </a:extLst>
+          </p:cNvPr>
+          <p:cNvSpPr>
+            <a:spLocks noGrp="1"/>
+          </p:cNvSpPr>
+          <p:nvPr>
+            <p:ph type="title"/>
+          </p:nvPr>
+        </p:nvSpPr>
+        <p:spPr/>
+        <p:txBody>
+          <a:bodyPr/>
+          <a:lstStyle/>
+          <a:p>
+            <a:r>
+              <a:rPr lang="it-IT" dirty="0"/>
+              <a:t>allocazione statica? </a:t>
+            </a:r>
+            <a:r>
+              <a:rPr lang="it-IT" dirty="0">
+                <a:sym typeface="Wingdings" panose="05000000000000000000" pitchFamily="2" charset="2"/>
+              </a:rPr>
+              <a:t>non standard</a:t>
+            </a:r>
+            <a:endParaRPr lang="it-IT" dirty="0"/>
+          </a:p>
+        </p:txBody>
+      </p:sp>
+      <p:sp>
+        <p:nvSpPr>
+          <p:cNvPr id="3" name="Segnaposto contenuto 2">
+            <a:extLst>
+              <a:ext uri="{FF2B5EF4-FFF2-40B4-BE49-F238E27FC236}">
+                <a16:creationId xmlns:a16="http://schemas.microsoft.com/office/drawing/2014/main" id="{7D6AE74A-11DE-471C-B0D0-8E36078466AD}"/>
+              </a:ext>
+            </a:extLst>
+          </p:cNvPr>
+          <p:cNvSpPr>
+            <a:spLocks noGrp="1"/>
+          </p:cNvSpPr>
+          <p:nvPr>
+            <p:ph idx="1"/>
+          </p:nvPr>
+        </p:nvSpPr>
+        <p:spPr/>
+        <p:txBody>
+          <a:bodyPr/>
+          <a:lstStyle/>
+          <a:p>
+            <a:pPr marL="0" indent="0">
+              <a:buNone/>
+            </a:pPr>
+            <a:r>
+              <a:rPr lang="it-IT" sz="1800" b="1" dirty="0" err="1">
+                <a:latin typeface="Courier New" panose="02070309020205020404" pitchFamily="49" charset="0"/>
+                <a:cs typeface="Courier New" panose="02070309020205020404" pitchFamily="49" charset="0"/>
+              </a:rPr>
+              <a:t>int</a:t>
+            </a:r>
+            <a:r>
+              <a:rPr lang="it-IT" sz="1800" b="1" dirty="0">
+                <a:latin typeface="Courier New" panose="02070309020205020404" pitchFamily="49" charset="0"/>
+                <a:cs typeface="Courier New" panose="02070309020205020404" pitchFamily="49" charset="0"/>
+              </a:rPr>
+              <a:t> len03 = 10;</a:t>
+            </a:r>
+          </a:p>
+          <a:p>
+            <a:pPr marL="0" indent="0">
+              <a:buNone/>
+            </a:pPr>
+            <a:r>
+              <a:rPr lang="it-IT" sz="1800" b="1" dirty="0">
+                <a:solidFill>
+                  <a:srgbClr val="FF0000"/>
+                </a:solidFill>
+                <a:latin typeface="Courier New" panose="02070309020205020404" pitchFamily="49" charset="0"/>
+                <a:cs typeface="Courier New" panose="02070309020205020404" pitchFamily="49" charset="0"/>
+              </a:rPr>
+              <a:t>double stArr03[len03];		// lunghezza </a:t>
+            </a:r>
+            <a:r>
+              <a:rPr lang="it-IT" sz="1800" b="1" dirty="0" err="1">
+                <a:solidFill>
+                  <a:srgbClr val="FF0000"/>
+                </a:solidFill>
+                <a:latin typeface="Courier New" panose="02070309020205020404" pitchFamily="49" charset="0"/>
+                <a:cs typeface="Courier New" panose="02070309020205020404" pitchFamily="49" charset="0"/>
+              </a:rPr>
+              <a:t>int</a:t>
+            </a:r>
+            <a:r>
+              <a:rPr lang="it-IT" sz="1800" b="1" dirty="0">
+                <a:solidFill>
+                  <a:srgbClr val="FF0000"/>
+                </a:solidFill>
+                <a:latin typeface="Courier New" panose="02070309020205020404" pitchFamily="49" charset="0"/>
+                <a:cs typeface="Courier New" panose="02070309020205020404" pitchFamily="49" charset="0"/>
+              </a:rPr>
+              <a:t> … = …</a:t>
+            </a:r>
+            <a:r>
+              <a:rPr lang="it-IT" sz="1800" b="1" dirty="0">
+                <a:latin typeface="Courier New" panose="02070309020205020404" pitchFamily="49" charset="0"/>
+                <a:cs typeface="Courier New" panose="02070309020205020404" pitchFamily="49" charset="0"/>
+              </a:rPr>
+              <a:t>	</a:t>
+            </a:r>
+          </a:p>
+          <a:p>
+            <a:pPr marL="0" indent="0">
+              <a:buNone/>
+            </a:pPr>
+            <a:r>
+              <a:rPr lang="it-IT" sz="1800" b="1" dirty="0" err="1">
+                <a:latin typeface="Courier New" panose="02070309020205020404" pitchFamily="49" charset="0"/>
+                <a:cs typeface="Courier New" panose="02070309020205020404" pitchFamily="49" charset="0"/>
+              </a:rPr>
+              <a:t>cout</a:t>
+            </a:r>
+            <a:r>
+              <a:rPr lang="it-IT" sz="1800" b="1" dirty="0">
+                <a:latin typeface="Courier New" panose="02070309020205020404" pitchFamily="49" charset="0"/>
+                <a:cs typeface="Courier New" panose="02070309020205020404" pitchFamily="49" charset="0"/>
+              </a:rPr>
+              <a:t> &lt;&lt; "</a:t>
+            </a:r>
+            <a:r>
+              <a:rPr lang="it-IT" sz="1800" b="1" dirty="0" err="1">
+                <a:latin typeface="Courier New" panose="02070309020205020404" pitchFamily="49" charset="0"/>
+                <a:cs typeface="Courier New" panose="02070309020205020404" pitchFamily="49" charset="0"/>
+              </a:rPr>
+              <a:t>size</a:t>
+            </a:r>
+            <a:r>
+              <a:rPr lang="it-IT" sz="1800" b="1" dirty="0">
+                <a:latin typeface="Courier New" panose="02070309020205020404" pitchFamily="49" charset="0"/>
+                <a:cs typeface="Courier New" panose="02070309020205020404" pitchFamily="49" charset="0"/>
+              </a:rPr>
+              <a:t> of stArr03: " &lt;&lt; </a:t>
+            </a:r>
+            <a:r>
+              <a:rPr lang="it-IT" sz="1800" b="1" dirty="0" err="1">
+                <a:latin typeface="Courier New" panose="02070309020205020404" pitchFamily="49" charset="0"/>
+                <a:cs typeface="Courier New" panose="02070309020205020404" pitchFamily="49" charset="0"/>
+              </a:rPr>
+              <a:t>sizeof</a:t>
+            </a:r>
+            <a:r>
+              <a:rPr lang="it-IT" sz="1800" b="1" dirty="0">
+                <a:latin typeface="Courier New" panose="02070309020205020404" pitchFamily="49" charset="0"/>
+                <a:cs typeface="Courier New" panose="02070309020205020404" pitchFamily="49" charset="0"/>
+              </a:rPr>
+              <a:t> stArr03 &lt;&lt; " </a:t>
+            </a:r>
+            <a:r>
+              <a:rPr lang="it-IT" sz="1800" b="1" dirty="0" err="1">
+                <a:latin typeface="Courier New" panose="02070309020205020404" pitchFamily="49" charset="0"/>
+                <a:cs typeface="Courier New" panose="02070309020205020404" pitchFamily="49" charset="0"/>
+              </a:rPr>
+              <a:t>bytes</a:t>
+            </a:r>
+            <a:r>
+              <a:rPr lang="it-IT" sz="1800" b="1" dirty="0">
+                <a:latin typeface="Courier New" panose="02070309020205020404" pitchFamily="49" charset="0"/>
+                <a:cs typeface="Courier New" panose="02070309020205020404" pitchFamily="49" charset="0"/>
+              </a:rPr>
+              <a:t> " &lt;&lt; </a:t>
+            </a:r>
+            <a:r>
+              <a:rPr lang="it-IT" sz="1800" b="1" dirty="0" err="1">
+                <a:latin typeface="Courier New" panose="02070309020205020404" pitchFamily="49" charset="0"/>
+                <a:cs typeface="Courier New" panose="02070309020205020404" pitchFamily="49" charset="0"/>
+              </a:rPr>
+              <a:t>endl</a:t>
+            </a:r>
+            <a:r>
+              <a:rPr lang="it-IT" sz="1800" b="1" dirty="0">
+                <a:latin typeface="Courier New" panose="02070309020205020404" pitchFamily="49" charset="0"/>
+                <a:cs typeface="Courier New" panose="02070309020205020404" pitchFamily="49" charset="0"/>
+              </a:rPr>
+              <a:t>;</a:t>
+            </a:r>
+          </a:p>
+          <a:p>
+            <a:pPr marL="0" indent="0">
+              <a:buNone/>
+            </a:pPr>
+            <a:r>
+              <a:rPr lang="it-IT" sz="1800" b="1" dirty="0" err="1">
+                <a:latin typeface="Courier New" panose="02070309020205020404" pitchFamily="49" charset="0"/>
+                <a:cs typeface="Courier New" panose="02070309020205020404" pitchFamily="49" charset="0"/>
+              </a:rPr>
+              <a:t>cout</a:t>
+            </a:r>
+            <a:r>
+              <a:rPr lang="it-IT" sz="1800" b="1" dirty="0">
+                <a:latin typeface="Courier New" panose="02070309020205020404" pitchFamily="49" charset="0"/>
+                <a:cs typeface="Courier New" panose="02070309020205020404" pitchFamily="49" charset="0"/>
+              </a:rPr>
+              <a:t> &lt;&lt; "</a:t>
+            </a:r>
+            <a:r>
+              <a:rPr lang="it-IT" sz="1800" b="1" dirty="0" err="1">
+                <a:latin typeface="Courier New" panose="02070309020205020404" pitchFamily="49" charset="0"/>
+                <a:cs typeface="Courier New" panose="02070309020205020404" pitchFamily="49" charset="0"/>
+              </a:rPr>
+              <a:t>memory</a:t>
+            </a:r>
+            <a:r>
+              <a:rPr lang="it-IT" sz="1800" b="1" dirty="0">
+                <a:latin typeface="Courier New" panose="02070309020205020404" pitchFamily="49" charset="0"/>
+                <a:cs typeface="Courier New" panose="02070309020205020404" pitchFamily="49" charset="0"/>
+              </a:rPr>
+              <a:t> </a:t>
+            </a:r>
+            <a:r>
+              <a:rPr lang="it-IT" sz="1800" b="1" dirty="0" err="1">
+                <a:latin typeface="Courier New" panose="02070309020205020404" pitchFamily="49" charset="0"/>
+                <a:cs typeface="Courier New" panose="02070309020205020404" pitchFamily="49" charset="0"/>
+              </a:rPr>
+              <a:t>address</a:t>
+            </a:r>
+            <a:r>
+              <a:rPr lang="it-IT" sz="1800" b="1" dirty="0">
+                <a:latin typeface="Courier New" panose="02070309020205020404" pitchFamily="49" charset="0"/>
+                <a:cs typeface="Courier New" panose="02070309020205020404" pitchFamily="49" charset="0"/>
+              </a:rPr>
+              <a:t> of stArr03: " &lt;&lt; &amp;stArr03 &lt;&lt; </a:t>
+            </a:r>
+            <a:r>
+              <a:rPr lang="it-IT" sz="1800" b="1" dirty="0" err="1">
+                <a:latin typeface="Courier New" panose="02070309020205020404" pitchFamily="49" charset="0"/>
+                <a:cs typeface="Courier New" panose="02070309020205020404" pitchFamily="49" charset="0"/>
+              </a:rPr>
+              <a:t>endl</a:t>
+            </a:r>
+            <a:r>
+              <a:rPr lang="it-IT" sz="1800" b="1" dirty="0">
+                <a:latin typeface="Courier New" panose="02070309020205020404" pitchFamily="49" charset="0"/>
+                <a:cs typeface="Courier New" panose="02070309020205020404" pitchFamily="49" charset="0"/>
+              </a:rPr>
+              <a:t>;	</a:t>
+            </a:r>
+          </a:p>
+          <a:p>
+            <a:pPr marL="0" indent="0">
+              <a:buNone/>
+            </a:pPr>
+            <a:r>
+              <a:rPr lang="it-IT" sz="1800" b="1" dirty="0">
+                <a:latin typeface="Courier New" panose="02070309020205020404" pitchFamily="49" charset="0"/>
+                <a:cs typeface="Courier New" panose="02070309020205020404" pitchFamily="49" charset="0"/>
+              </a:rPr>
+              <a:t>	</a:t>
+            </a:r>
+          </a:p>
+          <a:p>
+            <a:pPr marL="0" indent="0">
+              <a:buNone/>
+            </a:pPr>
+            <a:r>
+              <a:rPr lang="it-IT" sz="1800" b="1" dirty="0">
+                <a:latin typeface="Courier New" panose="02070309020205020404" pitchFamily="49" charset="0"/>
+                <a:cs typeface="Courier New" panose="02070309020205020404" pitchFamily="49" charset="0"/>
+              </a:rPr>
+              <a:t>	</a:t>
+            </a:r>
+          </a:p>
+          <a:p>
+            <a:pPr marL="0" indent="0">
+              <a:buNone/>
+            </a:pPr>
+            <a:r>
+              <a:rPr lang="it-IT" sz="1800" b="1" dirty="0">
+                <a:solidFill>
+                  <a:srgbClr val="FF0000"/>
+                </a:solidFill>
+                <a:latin typeface="Courier New" panose="02070309020205020404" pitchFamily="49" charset="0"/>
+                <a:cs typeface="Courier New" panose="02070309020205020404" pitchFamily="49" charset="0"/>
+              </a:rPr>
+              <a:t>/* </a:t>
+            </a:r>
+            <a:r>
+              <a:rPr lang="it-IT" sz="1800" b="1" dirty="0" err="1">
+                <a:solidFill>
+                  <a:srgbClr val="FF0000"/>
+                </a:solidFill>
+                <a:latin typeface="Courier New" panose="02070309020205020404" pitchFamily="49" charset="0"/>
+                <a:cs typeface="Courier New" panose="02070309020205020404" pitchFamily="49" charset="0"/>
+              </a:rPr>
+              <a:t>if</a:t>
+            </a:r>
+            <a:r>
+              <a:rPr lang="it-IT" sz="1800" b="1" dirty="0">
+                <a:solidFill>
+                  <a:srgbClr val="FF0000"/>
+                </a:solidFill>
+                <a:latin typeface="Courier New" panose="02070309020205020404" pitchFamily="49" charset="0"/>
+                <a:cs typeface="Courier New" panose="02070309020205020404" pitchFamily="49" charset="0"/>
+              </a:rPr>
+              <a:t> </a:t>
+            </a:r>
+            <a:r>
+              <a:rPr lang="it-IT" sz="1800" b="1" dirty="0" err="1">
+                <a:solidFill>
+                  <a:srgbClr val="FF0000"/>
+                </a:solidFill>
+                <a:latin typeface="Courier New" panose="02070309020205020404" pitchFamily="49" charset="0"/>
+                <a:cs typeface="Courier New" panose="02070309020205020404" pitchFamily="49" charset="0"/>
+              </a:rPr>
+              <a:t>compiler</a:t>
+            </a:r>
+            <a:r>
+              <a:rPr lang="it-IT" sz="1800" b="1" dirty="0">
+                <a:solidFill>
+                  <a:srgbClr val="FF0000"/>
+                </a:solidFill>
+                <a:latin typeface="Courier New" panose="02070309020205020404" pitchFamily="49" charset="0"/>
+                <a:cs typeface="Courier New" panose="02070309020205020404" pitchFamily="49" charset="0"/>
+              </a:rPr>
+              <a:t> </a:t>
+            </a:r>
+            <a:r>
+              <a:rPr lang="it-IT" sz="1800" b="1" dirty="0" err="1">
+                <a:solidFill>
+                  <a:srgbClr val="FF0000"/>
+                </a:solidFill>
+                <a:latin typeface="Courier New" panose="02070309020205020404" pitchFamily="49" charset="0"/>
+                <a:cs typeface="Courier New" panose="02070309020205020404" pitchFamily="49" charset="0"/>
+              </a:rPr>
+              <a:t>implements</a:t>
+            </a:r>
+            <a:r>
+              <a:rPr lang="it-IT" sz="1800" b="1" dirty="0">
+                <a:solidFill>
+                  <a:srgbClr val="FF0000"/>
+                </a:solidFill>
+                <a:latin typeface="Courier New" panose="02070309020205020404" pitchFamily="49" charset="0"/>
+                <a:cs typeface="Courier New" panose="02070309020205020404" pitchFamily="49" charset="0"/>
+              </a:rPr>
+              <a:t> a non-standard extension </a:t>
+            </a:r>
+            <a:r>
+              <a:rPr lang="it-IT" sz="1800" b="1" dirty="0" err="1">
+                <a:solidFill>
+                  <a:srgbClr val="FF0000"/>
+                </a:solidFill>
+                <a:latin typeface="Courier New" panose="02070309020205020404" pitchFamily="49" charset="0"/>
+                <a:cs typeface="Courier New" panose="02070309020205020404" pitchFamily="49" charset="0"/>
+              </a:rPr>
+              <a:t>called</a:t>
+            </a:r>
+            <a:r>
+              <a:rPr lang="it-IT" sz="1800" b="1" dirty="0">
+                <a:solidFill>
+                  <a:srgbClr val="FF0000"/>
+                </a:solidFill>
+                <a:latin typeface="Courier New" panose="02070309020205020404" pitchFamily="49" charset="0"/>
+                <a:cs typeface="Courier New" panose="02070309020205020404" pitchFamily="49" charset="0"/>
+              </a:rPr>
+              <a:t> VLA </a:t>
+            </a:r>
+          </a:p>
+          <a:p>
+            <a:pPr marL="0" indent="0">
+              <a:buNone/>
+            </a:pPr>
+            <a:r>
+              <a:rPr lang="it-IT" sz="1800" b="1" dirty="0">
+                <a:solidFill>
+                  <a:srgbClr val="FF0000"/>
+                </a:solidFill>
+                <a:latin typeface="Courier New" panose="02070309020205020404" pitchFamily="49" charset="0"/>
+                <a:cs typeface="Courier New" panose="02070309020205020404" pitchFamily="49" charset="0"/>
+              </a:rPr>
+              <a:t>* (</a:t>
+            </a:r>
+            <a:r>
+              <a:rPr lang="it-IT" sz="1800" b="1" dirty="0" err="1">
+                <a:solidFill>
+                  <a:srgbClr val="FF0000"/>
+                </a:solidFill>
+                <a:latin typeface="Courier New" panose="02070309020205020404" pitchFamily="49" charset="0"/>
+                <a:cs typeface="Courier New" panose="02070309020205020404" pitchFamily="49" charset="0"/>
+              </a:rPr>
+              <a:t>Variable</a:t>
+            </a:r>
+            <a:r>
+              <a:rPr lang="it-IT" sz="1800" b="1" dirty="0">
+                <a:solidFill>
+                  <a:srgbClr val="FF0000"/>
+                </a:solidFill>
+                <a:latin typeface="Courier New" panose="02070309020205020404" pitchFamily="49" charset="0"/>
+                <a:cs typeface="Courier New" panose="02070309020205020404" pitchFamily="49" charset="0"/>
+              </a:rPr>
+              <a:t> </a:t>
+            </a:r>
+            <a:r>
+              <a:rPr lang="it-IT" sz="1800" b="1" dirty="0" err="1">
+                <a:solidFill>
+                  <a:srgbClr val="FF0000"/>
+                </a:solidFill>
+                <a:latin typeface="Courier New" panose="02070309020205020404" pitchFamily="49" charset="0"/>
+                <a:cs typeface="Courier New" panose="02070309020205020404" pitchFamily="49" charset="0"/>
+              </a:rPr>
+              <a:t>Length</a:t>
+            </a:r>
+            <a:r>
+              <a:rPr lang="it-IT" sz="1800" b="1" dirty="0">
+                <a:solidFill>
+                  <a:srgbClr val="FF0000"/>
+                </a:solidFill>
+                <a:latin typeface="Courier New" panose="02070309020205020404" pitchFamily="49" charset="0"/>
+                <a:cs typeface="Courier New" panose="02070309020205020404" pitchFamily="49" charset="0"/>
+              </a:rPr>
+              <a:t> Arrays)*/</a:t>
+            </a:r>
+          </a:p>
+          <a:p>
+            <a:pPr marL="0" indent="0">
+              <a:buNone/>
+            </a:pPr>
+            <a:r>
+              <a:rPr lang="it-IT" sz="1800" b="1" dirty="0" err="1">
+                <a:latin typeface="Courier New" panose="02070309020205020404" pitchFamily="49" charset="0"/>
+                <a:cs typeface="Courier New" panose="02070309020205020404" pitchFamily="49" charset="0"/>
+              </a:rPr>
+              <a:t>int</a:t>
+            </a:r>
+            <a:r>
+              <a:rPr lang="it-IT" sz="1800" b="1" dirty="0">
+                <a:latin typeface="Courier New" panose="02070309020205020404" pitchFamily="49" charset="0"/>
+                <a:cs typeface="Courier New" panose="02070309020205020404" pitchFamily="49" charset="0"/>
+              </a:rPr>
+              <a:t> len04;</a:t>
+            </a:r>
+          </a:p>
+          <a:p>
+            <a:pPr marL="0" indent="0">
+              <a:buNone/>
+            </a:pPr>
+            <a:r>
+              <a:rPr lang="it-IT" sz="1800" b="1" dirty="0" err="1">
+                <a:latin typeface="Courier New" panose="02070309020205020404" pitchFamily="49" charset="0"/>
+                <a:cs typeface="Courier New" panose="02070309020205020404" pitchFamily="49" charset="0"/>
+              </a:rPr>
+              <a:t>cout</a:t>
+            </a:r>
+            <a:r>
+              <a:rPr lang="it-IT" sz="1800" b="1" dirty="0">
+                <a:latin typeface="Courier New" panose="02070309020205020404" pitchFamily="49" charset="0"/>
+                <a:cs typeface="Courier New" panose="02070309020205020404" pitchFamily="49" charset="0"/>
+              </a:rPr>
+              <a:t> &lt;&lt; "strArr04 </a:t>
+            </a:r>
+            <a:r>
+              <a:rPr lang="it-IT" sz="1800" b="1" dirty="0" err="1">
+                <a:latin typeface="Courier New" panose="02070309020205020404" pitchFamily="49" charset="0"/>
+                <a:cs typeface="Courier New" panose="02070309020205020404" pitchFamily="49" charset="0"/>
+              </a:rPr>
+              <a:t>lenght</a:t>
+            </a:r>
+            <a:r>
+              <a:rPr lang="it-IT" sz="1800" b="1" dirty="0">
+                <a:latin typeface="Courier New" panose="02070309020205020404" pitchFamily="49" charset="0"/>
+                <a:cs typeface="Courier New" panose="02070309020205020404" pitchFamily="49" charset="0"/>
+              </a:rPr>
+              <a:t>: ";</a:t>
+            </a:r>
+          </a:p>
+          <a:p>
+            <a:pPr marL="0" indent="0">
+              <a:buNone/>
+            </a:pPr>
+            <a:r>
+              <a:rPr lang="it-IT" sz="1800" b="1" dirty="0">
+                <a:latin typeface="Courier New" panose="02070309020205020404" pitchFamily="49" charset="0"/>
+                <a:cs typeface="Courier New" panose="02070309020205020404" pitchFamily="49" charset="0"/>
+              </a:rPr>
+              <a:t>cin &gt;&gt; len04;</a:t>
+            </a:r>
+          </a:p>
+          <a:p>
+            <a:pPr marL="0" indent="0">
+              <a:buNone/>
+            </a:pPr>
+            <a:r>
+              <a:rPr lang="it-IT" sz="1800" b="1" dirty="0">
+                <a:solidFill>
+                  <a:srgbClr val="FF0000"/>
+                </a:solidFill>
+                <a:latin typeface="Courier New" panose="02070309020205020404" pitchFamily="49" charset="0"/>
+                <a:cs typeface="Courier New" panose="02070309020205020404" pitchFamily="49" charset="0"/>
+              </a:rPr>
+              <a:t>double stArr04[len04];		// lunghezza </a:t>
+            </a:r>
+            <a:r>
+              <a:rPr lang="it-IT" sz="1800" b="1" dirty="0" err="1">
+                <a:solidFill>
+                  <a:srgbClr val="FF0000"/>
+                </a:solidFill>
+                <a:latin typeface="Courier New" panose="02070309020205020404" pitchFamily="49" charset="0"/>
+                <a:cs typeface="Courier New" panose="02070309020205020404" pitchFamily="49" charset="0"/>
+              </a:rPr>
+              <a:t>int</a:t>
+            </a:r>
+            <a:r>
+              <a:rPr lang="it-IT" sz="1800" b="1" dirty="0">
+                <a:solidFill>
+                  <a:srgbClr val="FF0000"/>
+                </a:solidFill>
+                <a:latin typeface="Courier New" panose="02070309020205020404" pitchFamily="49" charset="0"/>
+                <a:cs typeface="Courier New" panose="02070309020205020404" pitchFamily="49" charset="0"/>
+              </a:rPr>
+              <a:t> …</a:t>
+            </a:r>
+          </a:p>
+          <a:p>
+            <a:pPr marL="0" indent="0">
+              <a:buNone/>
+            </a:pPr>
+            <a:r>
+              <a:rPr lang="it-IT" sz="1800" b="1" dirty="0" err="1">
+                <a:latin typeface="Courier New" panose="02070309020205020404" pitchFamily="49" charset="0"/>
+                <a:cs typeface="Courier New" panose="02070309020205020404" pitchFamily="49" charset="0"/>
+              </a:rPr>
+              <a:t>cout</a:t>
+            </a:r>
+            <a:r>
+              <a:rPr lang="it-IT" sz="1800" b="1" dirty="0">
+                <a:latin typeface="Courier New" panose="02070309020205020404" pitchFamily="49" charset="0"/>
+                <a:cs typeface="Courier New" panose="02070309020205020404" pitchFamily="49" charset="0"/>
+              </a:rPr>
+              <a:t> &lt;&lt; "</a:t>
+            </a:r>
+            <a:r>
+              <a:rPr lang="it-IT" sz="1800" b="1" dirty="0" err="1">
+                <a:latin typeface="Courier New" panose="02070309020205020404" pitchFamily="49" charset="0"/>
+                <a:cs typeface="Courier New" panose="02070309020205020404" pitchFamily="49" charset="0"/>
+              </a:rPr>
+              <a:t>size</a:t>
+            </a:r>
+            <a:r>
+              <a:rPr lang="it-IT" sz="1800" b="1" dirty="0">
+                <a:latin typeface="Courier New" panose="02070309020205020404" pitchFamily="49" charset="0"/>
+                <a:cs typeface="Courier New" panose="02070309020205020404" pitchFamily="49" charset="0"/>
+              </a:rPr>
+              <a:t> of stArr04: " &lt;&lt; </a:t>
+            </a:r>
+            <a:r>
+              <a:rPr lang="it-IT" sz="1800" b="1" dirty="0" err="1">
+                <a:latin typeface="Courier New" panose="02070309020205020404" pitchFamily="49" charset="0"/>
+                <a:cs typeface="Courier New" panose="02070309020205020404" pitchFamily="49" charset="0"/>
+              </a:rPr>
+              <a:t>sizeof</a:t>
+            </a:r>
+            <a:r>
+              <a:rPr lang="it-IT" sz="1800" b="1" dirty="0">
+                <a:latin typeface="Courier New" panose="02070309020205020404" pitchFamily="49" charset="0"/>
+                <a:cs typeface="Courier New" panose="02070309020205020404" pitchFamily="49" charset="0"/>
+              </a:rPr>
+              <a:t> stArr04 &lt;&lt; " </a:t>
+            </a:r>
+            <a:r>
+              <a:rPr lang="it-IT" sz="1800" b="1" dirty="0" err="1">
+                <a:latin typeface="Courier New" panose="02070309020205020404" pitchFamily="49" charset="0"/>
+                <a:cs typeface="Courier New" panose="02070309020205020404" pitchFamily="49" charset="0"/>
+              </a:rPr>
+              <a:t>bytes</a:t>
+            </a:r>
+            <a:r>
+              <a:rPr lang="it-IT" sz="1800" b="1" dirty="0">
+                <a:latin typeface="Courier New" panose="02070309020205020404" pitchFamily="49" charset="0"/>
+                <a:cs typeface="Courier New" panose="02070309020205020404" pitchFamily="49" charset="0"/>
+              </a:rPr>
+              <a:t> " &lt;&lt; </a:t>
+            </a:r>
+            <a:r>
+              <a:rPr lang="it-IT" sz="1800" b="1" dirty="0" err="1">
+                <a:latin typeface="Courier New" panose="02070309020205020404" pitchFamily="49" charset="0"/>
+                <a:cs typeface="Courier New" panose="02070309020205020404" pitchFamily="49" charset="0"/>
+              </a:rPr>
+              <a:t>endl</a:t>
+            </a:r>
+            <a:r>
+              <a:rPr lang="it-IT" sz="1800" b="1" dirty="0">
+                <a:latin typeface="Courier New" panose="02070309020205020404" pitchFamily="49" charset="0"/>
+                <a:cs typeface="Courier New" panose="02070309020205020404" pitchFamily="49" charset="0"/>
+              </a:rPr>
+              <a:t>;	</a:t>
+            </a:r>
+          </a:p>
+          <a:p>
+            <a:pPr marL="0" indent="0">
+              <a:buNone/>
+            </a:pPr>
+            <a:endParaRPr lang="it-IT" sz="1800" dirty="0">
+              <a:latin typeface="Courier New" panose="02070309020205020404" pitchFamily="49" charset="0"/>
+              <a:cs typeface="Courier New" panose="02070309020205020404" pitchFamily="49" charset="0"/>
+            </a:endParaRPr>
+          </a:p>
+          <a:p>
+            <a:pPr marL="0" indent="0">
+              <a:buNone/>
+            </a:pPr>
+            <a:r>
+              <a:rPr lang="it-IT" sz="1800" dirty="0">
+                <a:latin typeface="Courier New" panose="02070309020205020404" pitchFamily="49" charset="0"/>
+                <a:cs typeface="Courier New" panose="02070309020205020404" pitchFamily="49" charset="0"/>
+              </a:rPr>
+              <a:t>	</a:t>
+            </a:r>
+          </a:p>
+          <a:p>
+            <a:pPr marL="0" indent="0">
+              <a:buNone/>
+            </a:pPr>
+            <a:endParaRPr lang="it-IT" sz="1800" dirty="0">
+              <a:latin typeface="Courier New" panose="02070309020205020404" pitchFamily="49" charset="0"/>
+              <a:cs typeface="Courier New" panose="02070309020205020404" pitchFamily="49" charset="0"/>
+            </a:endParaRPr>
+          </a:p>
+        </p:txBody>
+      </p:sp>
+      <p:sp>
+        <p:nvSpPr>
+          <p:cNvPr id="4" name="Segnaposto piè di pagina 3">
+            <a:extLst>
+              <a:ext uri="{FF2B5EF4-FFF2-40B4-BE49-F238E27FC236}">
+                <a16:creationId xmlns:a16="http://schemas.microsoft.com/office/drawing/2014/main" id="{DB3EF688-6283-4D8D-9ACD-CB791DA0639A}"/>
+              </a:ext>
+            </a:extLst>
+          </p:cNvPr>
+          <p:cNvSpPr>
+            <a:spLocks noGrp="1"/>
+          </p:cNvSpPr>
+          <p:nvPr>
+            <p:ph type="ftr" sz="quarter" idx="11"/>
+          </p:nvPr>
+        </p:nvSpPr>
+        <p:spPr/>
+        <p:txBody>
+          <a:bodyPr/>
+          <a:lstStyle/>
+          <a:p>
+            <a:pPr>
+              <a:defRPr/>
+            </a:pPr>
+            <a:r>
+              <a:rPr lang="it-IT"/>
+              <a:t>Alberto Ferrari – Programmazione di applicazioni SW</a:t>
+            </a:r>
+            <a:endParaRPr lang="it-IT" dirty="0"/>
+          </a:p>
+        </p:txBody>
+      </p:sp>
+    </p:spTree>
+    <p:extLst>
+      <p:ext uri="{BB962C8B-B14F-4D97-AF65-F5344CB8AC3E}">
+        <p14:creationId xmlns:p14="http://schemas.microsoft.com/office/powerpoint/2010/main" val="3476893265"/>
+      </p:ext>
+    </p:extLst>
+  </p:cSld>
+  <p:clrMapOvr>
+    <a:masterClrMapping/>
+  </p:clrMapOvr>
+</p:sld>
+</file>
+
+<file path=ppt/slides/slide17.xml><?xml version="1.0" encoding="utf-8"?>
+<p:sld xmlns:a="http://schemas.openxmlformats.org/drawingml/2006/main" xmlns:r="http://schemas.openxmlformats.org/officeDocument/2006/relationships" xmlns:p="http://schemas.openxmlformats.org/presentationml/2006/main">
+  <p:cSld>
+    <p:spTree>
+      <p:nvGrpSpPr>
+        <p:cNvPr id="1" name=""/>
+        <p:cNvGrpSpPr/>
+        <p:nvPr/>
+      </p:nvGrpSpPr>
+      <p:grpSpPr>
+        <a:xfrm>
+          <a:off x="0" y="0"/>
+          <a:ext cx="0" cy="0"/>
+          <a:chOff x="0" y="0"/>
+          <a:chExt cx="0" cy="0"/>
+        </a:xfrm>
+      </p:grpSpPr>
+      <p:sp>
+        <p:nvSpPr>
+          <p:cNvPr id="2" name="Titolo 1">
+            <a:extLst>
+              <a:ext uri="{FF2B5EF4-FFF2-40B4-BE49-F238E27FC236}">
+                <a16:creationId xmlns:a16="http://schemas.microsoft.com/office/drawing/2014/main" id="{740C9976-FFD0-4170-8E5B-5B7C465EAC0E}"/>
+              </a:ext>
+            </a:extLst>
+          </p:cNvPr>
+          <p:cNvSpPr>
+            <a:spLocks noGrp="1"/>
+          </p:cNvSpPr>
+          <p:nvPr>
+            <p:ph type="title"/>
+          </p:nvPr>
+        </p:nvSpPr>
+        <p:spPr/>
+        <p:txBody>
+          <a:bodyPr/>
+          <a:lstStyle/>
+          <a:p>
+            <a:r>
+              <a:rPr lang="it-IT" dirty="0"/>
+              <a:t>allocazione dinamica</a:t>
+            </a:r>
+          </a:p>
+        </p:txBody>
+      </p:sp>
+      <p:sp>
+        <p:nvSpPr>
+          <p:cNvPr id="3" name="Segnaposto contenuto 2">
+            <a:extLst>
+              <a:ext uri="{FF2B5EF4-FFF2-40B4-BE49-F238E27FC236}">
+                <a16:creationId xmlns:a16="http://schemas.microsoft.com/office/drawing/2014/main" id="{7D6AE74A-11DE-471C-B0D0-8E36078466AD}"/>
+              </a:ext>
+            </a:extLst>
+          </p:cNvPr>
+          <p:cNvSpPr>
+            <a:spLocks noGrp="1"/>
+          </p:cNvSpPr>
+          <p:nvPr>
+            <p:ph idx="1"/>
+          </p:nvPr>
+        </p:nvSpPr>
+        <p:spPr/>
+        <p:txBody>
+          <a:bodyPr/>
+          <a:lstStyle/>
+          <a:p>
+            <a:pPr marL="0" indent="0">
+              <a:buNone/>
+            </a:pPr>
+            <a:r>
+              <a:rPr lang="it-IT" sz="1800" b="1" dirty="0" err="1">
+                <a:latin typeface="Courier New" panose="02070309020205020404" pitchFamily="49" charset="0"/>
+                <a:cs typeface="Courier New" panose="02070309020205020404" pitchFamily="49" charset="0"/>
+              </a:rPr>
+              <a:t>int</a:t>
+            </a:r>
+            <a:r>
+              <a:rPr lang="it-IT" sz="1800" b="1" dirty="0">
+                <a:latin typeface="Courier New" panose="02070309020205020404" pitchFamily="49" charset="0"/>
+                <a:cs typeface="Courier New" panose="02070309020205020404" pitchFamily="49" charset="0"/>
+              </a:rPr>
+              <a:t> len05;</a:t>
+            </a:r>
+          </a:p>
+          <a:p>
+            <a:pPr marL="0" indent="0">
+              <a:buNone/>
+            </a:pPr>
+            <a:r>
+              <a:rPr lang="it-IT" sz="1800" b="1" dirty="0" err="1">
+                <a:latin typeface="Courier New" panose="02070309020205020404" pitchFamily="49" charset="0"/>
+                <a:cs typeface="Courier New" panose="02070309020205020404" pitchFamily="49" charset="0"/>
+              </a:rPr>
+              <a:t>cout</a:t>
+            </a:r>
+            <a:r>
+              <a:rPr lang="it-IT" sz="1800" b="1" dirty="0">
+                <a:latin typeface="Courier New" panose="02070309020205020404" pitchFamily="49" charset="0"/>
+                <a:cs typeface="Courier New" panose="02070309020205020404" pitchFamily="49" charset="0"/>
+              </a:rPr>
+              <a:t> &lt;&lt; "strArr05 </a:t>
+            </a:r>
+            <a:r>
+              <a:rPr lang="it-IT" sz="1800" b="1" dirty="0" err="1">
+                <a:latin typeface="Courier New" panose="02070309020205020404" pitchFamily="49" charset="0"/>
+                <a:cs typeface="Courier New" panose="02070309020205020404" pitchFamily="49" charset="0"/>
+              </a:rPr>
+              <a:t>lenght</a:t>
+            </a:r>
+            <a:r>
+              <a:rPr lang="it-IT" sz="1800" b="1" dirty="0">
+                <a:latin typeface="Courier New" panose="02070309020205020404" pitchFamily="49" charset="0"/>
+                <a:cs typeface="Courier New" panose="02070309020205020404" pitchFamily="49" charset="0"/>
+              </a:rPr>
+              <a:t>: ";</a:t>
+            </a:r>
+          </a:p>
+          <a:p>
+            <a:pPr marL="0" indent="0">
+              <a:buNone/>
+            </a:pPr>
+            <a:r>
+              <a:rPr lang="it-IT" sz="1800" b="1" dirty="0">
+                <a:latin typeface="Courier New" panose="02070309020205020404" pitchFamily="49" charset="0"/>
+                <a:cs typeface="Courier New" panose="02070309020205020404" pitchFamily="49" charset="0"/>
+              </a:rPr>
+              <a:t>cin &gt;&gt; len05;</a:t>
+            </a:r>
+          </a:p>
+          <a:p>
+            <a:pPr marL="0" indent="0">
+              <a:buNone/>
+            </a:pPr>
+            <a:r>
+              <a:rPr lang="it-IT" sz="1800" b="1" dirty="0">
+                <a:solidFill>
+                  <a:srgbClr val="FF0000"/>
+                </a:solidFill>
+                <a:latin typeface="Courier New" panose="02070309020205020404" pitchFamily="49" charset="0"/>
+                <a:cs typeface="Courier New" panose="02070309020205020404" pitchFamily="49" charset="0"/>
+              </a:rPr>
+              <a:t>double *dyArr05;</a:t>
+            </a:r>
+          </a:p>
+          <a:p>
+            <a:pPr marL="0" indent="0">
+              <a:buNone/>
+            </a:pPr>
+            <a:r>
+              <a:rPr lang="it-IT" sz="1800" b="1" dirty="0">
+                <a:solidFill>
+                  <a:srgbClr val="FF0000"/>
+                </a:solidFill>
+                <a:latin typeface="Courier New" panose="02070309020205020404" pitchFamily="49" charset="0"/>
+                <a:cs typeface="Courier New" panose="02070309020205020404" pitchFamily="49" charset="0"/>
+              </a:rPr>
+              <a:t>dyArr05 = new double[len05];		// allocazione dinamica</a:t>
+            </a:r>
+          </a:p>
+          <a:p>
+            <a:pPr marL="0" indent="0">
+              <a:buNone/>
+            </a:pPr>
+            <a:r>
+              <a:rPr lang="it-IT" sz="1800" b="1" dirty="0" err="1">
+                <a:latin typeface="Courier New" panose="02070309020205020404" pitchFamily="49" charset="0"/>
+                <a:cs typeface="Courier New" panose="02070309020205020404" pitchFamily="49" charset="0"/>
+              </a:rPr>
+              <a:t>cout</a:t>
+            </a:r>
+            <a:r>
+              <a:rPr lang="it-IT" sz="1800" b="1" dirty="0">
+                <a:latin typeface="Courier New" panose="02070309020205020404" pitchFamily="49" charset="0"/>
+                <a:cs typeface="Courier New" panose="02070309020205020404" pitchFamily="49" charset="0"/>
+              </a:rPr>
+              <a:t> &lt;&lt; "</a:t>
+            </a:r>
+            <a:r>
+              <a:rPr lang="it-IT" sz="1800" b="1" dirty="0" err="1">
+                <a:latin typeface="Courier New" panose="02070309020205020404" pitchFamily="49" charset="0"/>
+                <a:cs typeface="Courier New" panose="02070309020205020404" pitchFamily="49" charset="0"/>
+              </a:rPr>
+              <a:t>size</a:t>
+            </a:r>
+            <a:r>
+              <a:rPr lang="it-IT" sz="1800" b="1" dirty="0">
+                <a:latin typeface="Courier New" panose="02070309020205020404" pitchFamily="49" charset="0"/>
+                <a:cs typeface="Courier New" panose="02070309020205020404" pitchFamily="49" charset="0"/>
+              </a:rPr>
+              <a:t> of dyArr05: " &lt;&lt; </a:t>
+            </a:r>
+            <a:r>
+              <a:rPr lang="it-IT" sz="1800" b="1" dirty="0" err="1">
+                <a:latin typeface="Courier New" panose="02070309020205020404" pitchFamily="49" charset="0"/>
+                <a:cs typeface="Courier New" panose="02070309020205020404" pitchFamily="49" charset="0"/>
+              </a:rPr>
+              <a:t>sizeof</a:t>
+            </a:r>
+            <a:r>
+              <a:rPr lang="it-IT" sz="1800" b="1" dirty="0">
+                <a:latin typeface="Courier New" panose="02070309020205020404" pitchFamily="49" charset="0"/>
+                <a:cs typeface="Courier New" panose="02070309020205020404" pitchFamily="49" charset="0"/>
+              </a:rPr>
+              <a:t> dyArr05 &lt;&lt; " </a:t>
+            </a:r>
+            <a:r>
+              <a:rPr lang="it-IT" sz="1800" b="1" dirty="0" err="1">
+                <a:latin typeface="Courier New" panose="02070309020205020404" pitchFamily="49" charset="0"/>
+                <a:cs typeface="Courier New" panose="02070309020205020404" pitchFamily="49" charset="0"/>
+              </a:rPr>
+              <a:t>bytes</a:t>
+            </a:r>
+            <a:r>
+              <a:rPr lang="it-IT" sz="1800" b="1" dirty="0">
+                <a:latin typeface="Courier New" panose="02070309020205020404" pitchFamily="49" charset="0"/>
+                <a:cs typeface="Courier New" panose="02070309020205020404" pitchFamily="49" charset="0"/>
+              </a:rPr>
+              <a:t> " &lt;&lt; </a:t>
+            </a:r>
+            <a:r>
+              <a:rPr lang="it-IT" sz="1800" b="1" dirty="0" err="1">
+                <a:latin typeface="Courier New" panose="02070309020205020404" pitchFamily="49" charset="0"/>
+                <a:cs typeface="Courier New" panose="02070309020205020404" pitchFamily="49" charset="0"/>
+              </a:rPr>
+              <a:t>endl</a:t>
+            </a:r>
+            <a:r>
+              <a:rPr lang="it-IT" sz="1800" b="1" dirty="0">
+                <a:latin typeface="Courier New" panose="02070309020205020404" pitchFamily="49" charset="0"/>
+                <a:cs typeface="Courier New" panose="02070309020205020404" pitchFamily="49" charset="0"/>
+              </a:rPr>
+              <a:t>;</a:t>
+            </a:r>
+          </a:p>
+          <a:p>
+            <a:pPr marL="0" indent="0">
+              <a:buNone/>
+            </a:pPr>
+            <a:r>
+              <a:rPr lang="it-IT" sz="1800" b="1" dirty="0" err="1">
+                <a:latin typeface="Courier New" panose="02070309020205020404" pitchFamily="49" charset="0"/>
+                <a:cs typeface="Courier New" panose="02070309020205020404" pitchFamily="49" charset="0"/>
+              </a:rPr>
+              <a:t>cout</a:t>
+            </a:r>
+            <a:r>
+              <a:rPr lang="it-IT" sz="1800" b="1" dirty="0">
+                <a:latin typeface="Courier New" panose="02070309020205020404" pitchFamily="49" charset="0"/>
+                <a:cs typeface="Courier New" panose="02070309020205020404" pitchFamily="49" charset="0"/>
+              </a:rPr>
+              <a:t> &lt;&lt; "</a:t>
+            </a:r>
+            <a:r>
+              <a:rPr lang="it-IT" sz="1800" b="1" dirty="0" err="1">
+                <a:latin typeface="Courier New" panose="02070309020205020404" pitchFamily="49" charset="0"/>
+                <a:cs typeface="Courier New" panose="02070309020205020404" pitchFamily="49" charset="0"/>
+              </a:rPr>
+              <a:t>size</a:t>
+            </a:r>
+            <a:r>
+              <a:rPr lang="it-IT" sz="1800" b="1" dirty="0">
+                <a:latin typeface="Courier New" panose="02070309020205020404" pitchFamily="49" charset="0"/>
+                <a:cs typeface="Courier New" panose="02070309020205020404" pitchFamily="49" charset="0"/>
+              </a:rPr>
+              <a:t> of *dyArr05: " &lt;&lt; </a:t>
+            </a:r>
+            <a:r>
+              <a:rPr lang="it-IT" sz="1800" b="1" dirty="0" err="1">
+                <a:latin typeface="Courier New" panose="02070309020205020404" pitchFamily="49" charset="0"/>
+                <a:cs typeface="Courier New" panose="02070309020205020404" pitchFamily="49" charset="0"/>
+              </a:rPr>
+              <a:t>sizeof</a:t>
+            </a:r>
+            <a:r>
+              <a:rPr lang="it-IT" sz="1800" b="1" dirty="0">
+                <a:latin typeface="Courier New" panose="02070309020205020404" pitchFamily="49" charset="0"/>
+                <a:cs typeface="Courier New" panose="02070309020205020404" pitchFamily="49" charset="0"/>
+              </a:rPr>
+              <a:t> *dyArr05 &lt;&lt; " </a:t>
+            </a:r>
+            <a:r>
+              <a:rPr lang="it-IT" sz="1800" b="1" dirty="0" err="1">
+                <a:latin typeface="Courier New" panose="02070309020205020404" pitchFamily="49" charset="0"/>
+                <a:cs typeface="Courier New" panose="02070309020205020404" pitchFamily="49" charset="0"/>
+              </a:rPr>
+              <a:t>bytes</a:t>
+            </a:r>
+            <a:r>
+              <a:rPr lang="it-IT" sz="1800" b="1" dirty="0">
+                <a:latin typeface="Courier New" panose="02070309020205020404" pitchFamily="49" charset="0"/>
+                <a:cs typeface="Courier New" panose="02070309020205020404" pitchFamily="49" charset="0"/>
+              </a:rPr>
+              <a:t> " &lt;&lt; </a:t>
+            </a:r>
+            <a:r>
+              <a:rPr lang="it-IT" sz="1800" b="1" dirty="0" err="1">
+                <a:latin typeface="Courier New" panose="02070309020205020404" pitchFamily="49" charset="0"/>
+                <a:cs typeface="Courier New" panose="02070309020205020404" pitchFamily="49" charset="0"/>
+              </a:rPr>
+              <a:t>endl</a:t>
+            </a:r>
+            <a:r>
+              <a:rPr lang="it-IT" sz="1800" b="1" dirty="0">
+                <a:latin typeface="Courier New" panose="02070309020205020404" pitchFamily="49" charset="0"/>
+                <a:cs typeface="Courier New" panose="02070309020205020404" pitchFamily="49" charset="0"/>
+              </a:rPr>
+              <a:t>;	</a:t>
+            </a:r>
+          </a:p>
+          <a:p>
+            <a:pPr marL="0" indent="0">
+              <a:buNone/>
+            </a:pPr>
+            <a:r>
+              <a:rPr lang="it-IT" sz="1800" b="1" dirty="0" err="1">
+                <a:latin typeface="Courier New" panose="02070309020205020404" pitchFamily="49" charset="0"/>
+                <a:cs typeface="Courier New" panose="02070309020205020404" pitchFamily="49" charset="0"/>
+              </a:rPr>
+              <a:t>cout</a:t>
+            </a:r>
+            <a:r>
+              <a:rPr lang="it-IT" sz="1800" b="1" dirty="0">
+                <a:latin typeface="Courier New" panose="02070309020205020404" pitchFamily="49" charset="0"/>
+                <a:cs typeface="Courier New" panose="02070309020205020404" pitchFamily="49" charset="0"/>
+              </a:rPr>
+              <a:t> &lt;&lt; "</a:t>
+            </a:r>
+            <a:r>
+              <a:rPr lang="it-IT" sz="1800" b="1" dirty="0" err="1">
+                <a:latin typeface="Courier New" panose="02070309020205020404" pitchFamily="49" charset="0"/>
+                <a:cs typeface="Courier New" panose="02070309020205020404" pitchFamily="49" charset="0"/>
+              </a:rPr>
+              <a:t>memory</a:t>
+            </a:r>
+            <a:r>
+              <a:rPr lang="it-IT" sz="1800" b="1" dirty="0">
+                <a:latin typeface="Courier New" panose="02070309020205020404" pitchFamily="49" charset="0"/>
+                <a:cs typeface="Courier New" panose="02070309020205020404" pitchFamily="49" charset="0"/>
+              </a:rPr>
+              <a:t> </a:t>
+            </a:r>
+            <a:r>
+              <a:rPr lang="it-IT" sz="1800" b="1" dirty="0" err="1">
+                <a:latin typeface="Courier New" panose="02070309020205020404" pitchFamily="49" charset="0"/>
+                <a:cs typeface="Courier New" panose="02070309020205020404" pitchFamily="49" charset="0"/>
+              </a:rPr>
+              <a:t>address</a:t>
+            </a:r>
+            <a:r>
+              <a:rPr lang="it-IT" sz="1800" b="1" dirty="0">
+                <a:latin typeface="Courier New" panose="02070309020205020404" pitchFamily="49" charset="0"/>
+                <a:cs typeface="Courier New" panose="02070309020205020404" pitchFamily="49" charset="0"/>
+              </a:rPr>
+              <a:t> of dyArr05: " &lt;&lt; dyArr05 &lt;&lt; </a:t>
+            </a:r>
+            <a:r>
+              <a:rPr lang="it-IT" sz="1800" b="1" dirty="0" err="1">
+                <a:latin typeface="Courier New" panose="02070309020205020404" pitchFamily="49" charset="0"/>
+                <a:cs typeface="Courier New" panose="02070309020205020404" pitchFamily="49" charset="0"/>
+              </a:rPr>
+              <a:t>endl</a:t>
+            </a:r>
+            <a:r>
+              <a:rPr lang="it-IT" sz="1800" b="1" dirty="0">
+                <a:latin typeface="Courier New" panose="02070309020205020404" pitchFamily="49" charset="0"/>
+                <a:cs typeface="Courier New" panose="02070309020205020404" pitchFamily="49" charset="0"/>
+              </a:rPr>
+              <a:t>;		</a:t>
+            </a:r>
+          </a:p>
+          <a:p>
+            <a:pPr marL="0" indent="0">
+              <a:buNone/>
+            </a:pPr>
+            <a:endParaRPr lang="it-IT" sz="1800" dirty="0">
+              <a:latin typeface="Courier New" panose="02070309020205020404" pitchFamily="49" charset="0"/>
+              <a:cs typeface="Courier New" panose="02070309020205020404" pitchFamily="49" charset="0"/>
+            </a:endParaRPr>
+          </a:p>
+          <a:p>
+            <a:pPr marL="0" indent="0">
+              <a:buNone/>
+            </a:pPr>
+            <a:r>
+              <a:rPr lang="it-IT" sz="1800" dirty="0">
+                <a:latin typeface="Courier New" panose="02070309020205020404" pitchFamily="49" charset="0"/>
+                <a:cs typeface="Courier New" panose="02070309020205020404" pitchFamily="49" charset="0"/>
+              </a:rPr>
+              <a:t>	</a:t>
+            </a:r>
+          </a:p>
+          <a:p>
+            <a:pPr marL="0" indent="0">
+              <a:buNone/>
+            </a:pPr>
+            <a:endParaRPr lang="it-IT" sz="1800" dirty="0">
+              <a:latin typeface="Courier New" panose="02070309020205020404" pitchFamily="49" charset="0"/>
+              <a:cs typeface="Courier New" panose="02070309020205020404" pitchFamily="49" charset="0"/>
+            </a:endParaRPr>
+          </a:p>
+        </p:txBody>
+      </p:sp>
+      <p:sp>
+        <p:nvSpPr>
+          <p:cNvPr id="4" name="Segnaposto piè di pagina 3">
+            <a:extLst>
+              <a:ext uri="{FF2B5EF4-FFF2-40B4-BE49-F238E27FC236}">
+                <a16:creationId xmlns:a16="http://schemas.microsoft.com/office/drawing/2014/main" id="{DB3EF688-6283-4D8D-9ACD-CB791DA0639A}"/>
+              </a:ext>
+            </a:extLst>
+          </p:cNvPr>
+          <p:cNvSpPr>
+            <a:spLocks noGrp="1"/>
+          </p:cNvSpPr>
+          <p:nvPr>
+            <p:ph type="ftr" sz="quarter" idx="11"/>
+          </p:nvPr>
+        </p:nvSpPr>
+        <p:spPr/>
+        <p:txBody>
+          <a:bodyPr/>
+          <a:lstStyle/>
+          <a:p>
+            <a:pPr>
+              <a:defRPr/>
+            </a:pPr>
+            <a:r>
+              <a:rPr lang="it-IT"/>
+              <a:t>Alberto Ferrari – Programmazione di applicazioni SW</a:t>
+            </a:r>
+            <a:endParaRPr lang="it-IT" dirty="0"/>
+          </a:p>
+        </p:txBody>
+      </p:sp>
+    </p:spTree>
+    <p:extLst>
+      <p:ext uri="{BB962C8B-B14F-4D97-AF65-F5344CB8AC3E}">
+        <p14:creationId xmlns:p14="http://schemas.microsoft.com/office/powerpoint/2010/main" val="3982503197"/>
       </p:ext>
     </p:extLst>
   </p:cSld>
